--- a/02-Alphanumeric-LCD/Alphanumeric-LCD.pptx
+++ b/02-Alphanumeric-LCD/Alphanumeric-LCD.pptx
@@ -116,6 +116,11 @@
       </a:defRPr>
     </a:lvl9pPr>
   </p:defaultTextStyle>
+  <p:extLst>
+    <p:ext uri="{EFAFB233-063F-42B5-8137-9DF3F51BA10A}">
+      <p15:sldGuideLst xmlns:p15="http://schemas.microsoft.com/office/powerpoint/2012/main"/>
+    </p:ext>
+  </p:extLst>
 </p:presentation>
 </file>
 
@@ -2364,7 +2369,7 @@
 <dgm:dataModel xmlns:dgm="http://schemas.openxmlformats.org/drawingml/2006/diagram" xmlns:a="http://schemas.openxmlformats.org/drawingml/2006/main">
   <dgm:ptLst>
     <dgm:pt modelId="{A2DB276C-CF7E-4F16-A558-B2FFFE2FB0FE}" type="doc">
-      <dgm:prSet loTypeId="urn:microsoft.com/office/officeart/2005/8/layout/process1" loCatId="process" qsTypeId="urn:microsoft.com/office/officeart/2005/8/quickstyle/simple1" qsCatId="simple" csTypeId="urn:microsoft.com/office/officeart/2005/8/colors/accent1_2" csCatId="accent1" phldr="1"/>
+      <dgm:prSet loTypeId="urn:microsoft.com/office/officeart/2005/8/layout/process1" loCatId="process" qsTypeId="urn:microsoft.com/office/officeart/2005/8/quickstyle/simple3" qsCatId="simple" csTypeId="urn:microsoft.com/office/officeart/2005/8/colors/accent1_2" csCatId="accent1" phldr="1"/>
       <dgm:spPr/>
     </dgm:pt>
     <dgm:pt modelId="{B2A35A7F-F219-4262-A135-EF890020A733}">
@@ -2531,14 +2536,35 @@
         </dgm:presLayoutVars>
       </dgm:prSet>
       <dgm:spPr/>
+      <dgm:t>
+        <a:bodyPr/>
+        <a:lstStyle/>
+        <a:p>
+          <a:endParaRPr lang="en-US"/>
+        </a:p>
+      </dgm:t>
     </dgm:pt>
     <dgm:pt modelId="{75A2291E-F8C9-47A2-B9A4-C758CED71325}" type="pres">
       <dgm:prSet presAssocID="{25CB4A5B-2F15-4694-A568-3A7088932479}" presName="sibTrans" presStyleLbl="sibTrans2D1" presStyleIdx="0" presStyleCnt="3"/>
       <dgm:spPr/>
+      <dgm:t>
+        <a:bodyPr/>
+        <a:lstStyle/>
+        <a:p>
+          <a:endParaRPr lang="en-US"/>
+        </a:p>
+      </dgm:t>
     </dgm:pt>
     <dgm:pt modelId="{5D65A5C0-E261-424F-83CB-9366A52D8844}" type="pres">
       <dgm:prSet presAssocID="{25CB4A5B-2F15-4694-A568-3A7088932479}" presName="connectorText" presStyleLbl="sibTrans2D1" presStyleIdx="0" presStyleCnt="3"/>
       <dgm:spPr/>
+      <dgm:t>
+        <a:bodyPr/>
+        <a:lstStyle/>
+        <a:p>
+          <a:endParaRPr lang="en-US"/>
+        </a:p>
+      </dgm:t>
     </dgm:pt>
     <dgm:pt modelId="{CBE8582C-11A6-4C56-AE62-97F6C63183F0}" type="pres">
       <dgm:prSet presAssocID="{B0352543-5C7D-4618-BD4A-B61AC4563FFC}" presName="node" presStyleLbl="node1" presStyleIdx="1" presStyleCnt="4">
@@ -2547,14 +2573,35 @@
         </dgm:presLayoutVars>
       </dgm:prSet>
       <dgm:spPr/>
+      <dgm:t>
+        <a:bodyPr/>
+        <a:lstStyle/>
+        <a:p>
+          <a:endParaRPr lang="en-US"/>
+        </a:p>
+      </dgm:t>
     </dgm:pt>
     <dgm:pt modelId="{3157C683-6C49-488E-BF01-E19E23D4066F}" type="pres">
       <dgm:prSet presAssocID="{53BF202C-8D67-4BC0-8F83-69FA31AFB51B}" presName="sibTrans" presStyleLbl="sibTrans2D1" presStyleIdx="1" presStyleCnt="3"/>
       <dgm:spPr/>
+      <dgm:t>
+        <a:bodyPr/>
+        <a:lstStyle/>
+        <a:p>
+          <a:endParaRPr lang="en-US"/>
+        </a:p>
+      </dgm:t>
     </dgm:pt>
     <dgm:pt modelId="{EF365BE4-F793-43DE-946D-8EE4B0BCFA73}" type="pres">
       <dgm:prSet presAssocID="{53BF202C-8D67-4BC0-8F83-69FA31AFB51B}" presName="connectorText" presStyleLbl="sibTrans2D1" presStyleIdx="1" presStyleCnt="3"/>
       <dgm:spPr/>
+      <dgm:t>
+        <a:bodyPr/>
+        <a:lstStyle/>
+        <a:p>
+          <a:endParaRPr lang="en-US"/>
+        </a:p>
+      </dgm:t>
     </dgm:pt>
     <dgm:pt modelId="{002D9EA2-C7B5-4D30-B6F9-392FF728A807}" type="pres">
       <dgm:prSet presAssocID="{94637063-D815-4D09-9196-FD7C5268CDDB}" presName="node" presStyleLbl="node1" presStyleIdx="2" presStyleCnt="4">
@@ -2563,14 +2610,35 @@
         </dgm:presLayoutVars>
       </dgm:prSet>
       <dgm:spPr/>
+      <dgm:t>
+        <a:bodyPr/>
+        <a:lstStyle/>
+        <a:p>
+          <a:endParaRPr lang="en-US"/>
+        </a:p>
+      </dgm:t>
     </dgm:pt>
     <dgm:pt modelId="{91402558-1555-4F57-8F09-CFA1AC1FB4B0}" type="pres">
       <dgm:prSet presAssocID="{2E7C1F86-CD93-46FA-AAB0-032C270DB566}" presName="sibTrans" presStyleLbl="sibTrans2D1" presStyleIdx="2" presStyleCnt="3"/>
       <dgm:spPr/>
+      <dgm:t>
+        <a:bodyPr/>
+        <a:lstStyle/>
+        <a:p>
+          <a:endParaRPr lang="en-US"/>
+        </a:p>
+      </dgm:t>
     </dgm:pt>
     <dgm:pt modelId="{3F2454AE-B205-4EC9-9EA3-5FB2BB277FF2}" type="pres">
       <dgm:prSet presAssocID="{2E7C1F86-CD93-46FA-AAB0-032C270DB566}" presName="connectorText" presStyleLbl="sibTrans2D1" presStyleIdx="2" presStyleCnt="3"/>
       <dgm:spPr/>
+      <dgm:t>
+        <a:bodyPr/>
+        <a:lstStyle/>
+        <a:p>
+          <a:endParaRPr lang="en-US"/>
+        </a:p>
+      </dgm:t>
     </dgm:pt>
     <dgm:pt modelId="{0429F8A6-5D1A-4B76-B54D-DAD1E805FD25}" type="pres">
       <dgm:prSet presAssocID="{E07216E7-8078-4AC1-91E6-E53B9EB188B8}" presName="node" presStyleLbl="node1" presStyleIdx="3" presStyleCnt="4">
@@ -2579,16 +2647,23 @@
         </dgm:presLayoutVars>
       </dgm:prSet>
       <dgm:spPr/>
+      <dgm:t>
+        <a:bodyPr/>
+        <a:lstStyle/>
+        <a:p>
+          <a:endParaRPr lang="en-US"/>
+        </a:p>
+      </dgm:t>
     </dgm:pt>
   </dgm:ptLst>
   <dgm:cxnLst>
+    <dgm:cxn modelId="{55B487BD-C75A-46A7-A056-6AE3C93DF4B5}" type="presOf" srcId="{E07216E7-8078-4AC1-91E6-E53B9EB188B8}" destId="{0429F8A6-5D1A-4B76-B54D-DAD1E805FD25}" srcOrd="0" destOrd="0" presId="urn:microsoft.com/office/officeart/2005/8/layout/process1"/>
     <dgm:cxn modelId="{8D0C394E-D36F-4BF1-B033-C165C38D6D6B}" srcId="{A2DB276C-CF7E-4F16-A558-B2FFFE2FB0FE}" destId="{E07216E7-8078-4AC1-91E6-E53B9EB188B8}" srcOrd="3" destOrd="0" parTransId="{45A3E9D9-A32D-4E2C-95C4-9A5973852E88}" sibTransId="{ACAB1875-3D27-48E6-99DD-2C97FE0BE297}"/>
-    <dgm:cxn modelId="{55B487BD-C75A-46A7-A056-6AE3C93DF4B5}" type="presOf" srcId="{E07216E7-8078-4AC1-91E6-E53B9EB188B8}" destId="{0429F8A6-5D1A-4B76-B54D-DAD1E805FD25}" srcOrd="0" destOrd="0" presId="urn:microsoft.com/office/officeart/2005/8/layout/process1"/>
     <dgm:cxn modelId="{69B4F15B-CB5E-4EB7-98F4-7CE9DA3C5BBE}" srcId="{A2DB276C-CF7E-4F16-A558-B2FFFE2FB0FE}" destId="{B0352543-5C7D-4618-BD4A-B61AC4563FFC}" srcOrd="1" destOrd="0" parTransId="{7213C6A9-D6E0-4CB0-9721-5650142BCE43}" sibTransId="{53BF202C-8D67-4BC0-8F83-69FA31AFB51B}"/>
     <dgm:cxn modelId="{F0BCFF5F-AD0D-4A92-AAFD-250D611AC632}" srcId="{A2DB276C-CF7E-4F16-A558-B2FFFE2FB0FE}" destId="{94637063-D815-4D09-9196-FD7C5268CDDB}" srcOrd="2" destOrd="0" parTransId="{B106D93A-B5D8-4D14-8E7F-D06C28B9560F}" sibTransId="{2E7C1F86-CD93-46FA-AAB0-032C270DB566}"/>
     <dgm:cxn modelId="{ECEF64C3-B914-4896-A894-23CA14E0638A}" type="presOf" srcId="{25CB4A5B-2F15-4694-A568-3A7088932479}" destId="{75A2291E-F8C9-47A2-B9A4-C758CED71325}" srcOrd="0" destOrd="0" presId="urn:microsoft.com/office/officeart/2005/8/layout/process1"/>
+    <dgm:cxn modelId="{3BCD6DE9-9845-46F6-B985-DE3D4C0195ED}" type="presOf" srcId="{94637063-D815-4D09-9196-FD7C5268CDDB}" destId="{002D9EA2-C7B5-4D30-B6F9-392FF728A807}" srcOrd="0" destOrd="0" presId="urn:microsoft.com/office/officeart/2005/8/layout/process1"/>
     <dgm:cxn modelId="{4F5EC00E-1EE3-41C6-93B9-5096A4119718}" type="presOf" srcId="{53BF202C-8D67-4BC0-8F83-69FA31AFB51B}" destId="{3157C683-6C49-488E-BF01-E19E23D4066F}" srcOrd="0" destOrd="0" presId="urn:microsoft.com/office/officeart/2005/8/layout/process1"/>
-    <dgm:cxn modelId="{3BCD6DE9-9845-46F6-B985-DE3D4C0195ED}" type="presOf" srcId="{94637063-D815-4D09-9196-FD7C5268CDDB}" destId="{002D9EA2-C7B5-4D30-B6F9-392FF728A807}" srcOrd="0" destOrd="0" presId="urn:microsoft.com/office/officeart/2005/8/layout/process1"/>
     <dgm:cxn modelId="{99471CC8-6815-40A4-97F3-A9F00AA2F5FF}" type="presOf" srcId="{53BF202C-8D67-4BC0-8F83-69FA31AFB51B}" destId="{EF365BE4-F793-43DE-946D-8EE4B0BCFA73}" srcOrd="1" destOrd="0" presId="urn:microsoft.com/office/officeart/2005/8/layout/process1"/>
     <dgm:cxn modelId="{5A2E15AD-A59F-4C01-B3BE-223787CF3C67}" srcId="{A2DB276C-CF7E-4F16-A558-B2FFFE2FB0FE}" destId="{B2A35A7F-F219-4262-A135-EF890020A733}" srcOrd="0" destOrd="0" parTransId="{E798BD77-73E5-4FE6-829D-1877E2FBE762}" sibTransId="{25CB4A5B-2F15-4694-A568-3A7088932479}"/>
     <dgm:cxn modelId="{179258BD-B176-4994-8EF5-445709329E83}" type="presOf" srcId="{B2A35A7F-F219-4262-A135-EF890020A733}" destId="{5A49E385-76C4-4270-BE6F-C39DE59CE0FA}" srcOrd="0" destOrd="0" presId="urn:microsoft.com/office/officeart/2005/8/layout/process1"/>
@@ -2622,7 +2697,7 @@
 <dgm:dataModel xmlns:dgm="http://schemas.openxmlformats.org/drawingml/2006/diagram" xmlns:a="http://schemas.openxmlformats.org/drawingml/2006/main">
   <dgm:ptLst>
     <dgm:pt modelId="{A2DB276C-CF7E-4F16-A558-B2FFFE2FB0FE}" type="doc">
-      <dgm:prSet loTypeId="urn:microsoft.com/office/officeart/2005/8/layout/process1" loCatId="process" qsTypeId="urn:microsoft.com/office/officeart/2005/8/quickstyle/simple1" qsCatId="simple" csTypeId="urn:microsoft.com/office/officeart/2005/8/colors/accent1_2" csCatId="accent1" phldr="1"/>
+      <dgm:prSet loTypeId="urn:microsoft.com/office/officeart/2005/8/layout/process1" loCatId="process" qsTypeId="urn:microsoft.com/office/officeart/2005/8/quickstyle/simple3" qsCatId="simple" csTypeId="urn:microsoft.com/office/officeart/2005/8/colors/accent1_2" csCatId="accent1" phldr="1"/>
       <dgm:spPr/>
     </dgm:pt>
     <dgm:pt modelId="{B2A35A7F-F219-4262-A135-EF890020A733}">
@@ -2812,10 +2887,24 @@
     <dgm:pt modelId="{75A2291E-F8C9-47A2-B9A4-C758CED71325}" type="pres">
       <dgm:prSet presAssocID="{25CB4A5B-2F15-4694-A568-3A7088932479}" presName="sibTrans" presStyleLbl="sibTrans2D1" presStyleIdx="0" presStyleCnt="3"/>
       <dgm:spPr/>
+      <dgm:t>
+        <a:bodyPr/>
+        <a:lstStyle/>
+        <a:p>
+          <a:endParaRPr lang="en-US"/>
+        </a:p>
+      </dgm:t>
     </dgm:pt>
     <dgm:pt modelId="{5D65A5C0-E261-424F-83CB-9366A52D8844}" type="pres">
       <dgm:prSet presAssocID="{25CB4A5B-2F15-4694-A568-3A7088932479}" presName="connectorText" presStyleLbl="sibTrans2D1" presStyleIdx="0" presStyleCnt="3"/>
       <dgm:spPr/>
+      <dgm:t>
+        <a:bodyPr/>
+        <a:lstStyle/>
+        <a:p>
+          <a:endParaRPr lang="en-US"/>
+        </a:p>
+      </dgm:t>
     </dgm:pt>
     <dgm:pt modelId="{CBE8582C-11A6-4C56-AE62-97F6C63183F0}" type="pres">
       <dgm:prSet presAssocID="{B0352543-5C7D-4618-BD4A-B61AC4563FFC}" presName="node" presStyleLbl="node1" presStyleIdx="1" presStyleCnt="4" custScaleX="120306" custScaleY="116025">
@@ -2824,14 +2913,35 @@
         </dgm:presLayoutVars>
       </dgm:prSet>
       <dgm:spPr/>
+      <dgm:t>
+        <a:bodyPr/>
+        <a:lstStyle/>
+        <a:p>
+          <a:endParaRPr lang="en-US"/>
+        </a:p>
+      </dgm:t>
     </dgm:pt>
     <dgm:pt modelId="{3157C683-6C49-488E-BF01-E19E23D4066F}" type="pres">
       <dgm:prSet presAssocID="{53BF202C-8D67-4BC0-8F83-69FA31AFB51B}" presName="sibTrans" presStyleLbl="sibTrans2D1" presStyleIdx="1" presStyleCnt="3"/>
       <dgm:spPr/>
+      <dgm:t>
+        <a:bodyPr/>
+        <a:lstStyle/>
+        <a:p>
+          <a:endParaRPr lang="en-US"/>
+        </a:p>
+      </dgm:t>
     </dgm:pt>
     <dgm:pt modelId="{EF365BE4-F793-43DE-946D-8EE4B0BCFA73}" type="pres">
       <dgm:prSet presAssocID="{53BF202C-8D67-4BC0-8F83-69FA31AFB51B}" presName="connectorText" presStyleLbl="sibTrans2D1" presStyleIdx="1" presStyleCnt="3"/>
       <dgm:spPr/>
+      <dgm:t>
+        <a:bodyPr/>
+        <a:lstStyle/>
+        <a:p>
+          <a:endParaRPr lang="en-US"/>
+        </a:p>
+      </dgm:t>
     </dgm:pt>
     <dgm:pt modelId="{002D9EA2-C7B5-4D30-B6F9-392FF728A807}" type="pres">
       <dgm:prSet presAssocID="{94637063-D815-4D09-9196-FD7C5268CDDB}" presName="node" presStyleLbl="node1" presStyleIdx="2" presStyleCnt="4" custScaleY="76257">
@@ -2851,10 +2961,24 @@
     <dgm:pt modelId="{91402558-1555-4F57-8F09-CFA1AC1FB4B0}" type="pres">
       <dgm:prSet presAssocID="{2E7C1F86-CD93-46FA-AAB0-032C270DB566}" presName="sibTrans" presStyleLbl="sibTrans2D1" presStyleIdx="2" presStyleCnt="3"/>
       <dgm:spPr/>
+      <dgm:t>
+        <a:bodyPr/>
+        <a:lstStyle/>
+        <a:p>
+          <a:endParaRPr lang="en-US"/>
+        </a:p>
+      </dgm:t>
     </dgm:pt>
     <dgm:pt modelId="{3F2454AE-B205-4EC9-9EA3-5FB2BB277FF2}" type="pres">
       <dgm:prSet presAssocID="{2E7C1F86-CD93-46FA-AAB0-032C270DB566}" presName="connectorText" presStyleLbl="sibTrans2D1" presStyleIdx="2" presStyleCnt="3"/>
       <dgm:spPr/>
+      <dgm:t>
+        <a:bodyPr/>
+        <a:lstStyle/>
+        <a:p>
+          <a:endParaRPr lang="en-US"/>
+        </a:p>
+      </dgm:t>
     </dgm:pt>
     <dgm:pt modelId="{0429F8A6-5D1A-4B76-B54D-DAD1E805FD25}" type="pres">
       <dgm:prSet presAssocID="{E07216E7-8078-4AC1-91E6-E53B9EB188B8}" presName="node" presStyleLbl="node1" presStyleIdx="3" presStyleCnt="4" custScaleY="73953">
@@ -2863,6 +2987,13 @@
         </dgm:presLayoutVars>
       </dgm:prSet>
       <dgm:spPr/>
+      <dgm:t>
+        <a:bodyPr/>
+        <a:lstStyle/>
+        <a:p>
+          <a:endParaRPr lang="en-US"/>
+        </a:p>
+      </dgm:t>
     </dgm:pt>
   </dgm:ptLst>
   <dgm:cxnLst>
@@ -2906,7 +3037,7 @@
 <dgm:dataModel xmlns:dgm="http://schemas.openxmlformats.org/drawingml/2006/diagram" xmlns:a="http://schemas.openxmlformats.org/drawingml/2006/main">
   <dgm:ptLst>
     <dgm:pt modelId="{A2DB276C-CF7E-4F16-A558-B2FFFE2FB0FE}" type="doc">
-      <dgm:prSet loTypeId="urn:microsoft.com/office/officeart/2005/8/layout/process1" loCatId="process" qsTypeId="urn:microsoft.com/office/officeart/2005/8/quickstyle/simple1" qsCatId="simple" csTypeId="urn:microsoft.com/office/officeart/2005/8/colors/accent1_2" csCatId="accent1" phldr="1"/>
+      <dgm:prSet loTypeId="urn:microsoft.com/office/officeart/2005/8/layout/process1" loCatId="process" qsTypeId="urn:microsoft.com/office/officeart/2005/8/quickstyle/simple3" qsCatId="simple" csTypeId="urn:microsoft.com/office/officeart/2005/8/colors/accent1_2" csCatId="accent1" phldr="1"/>
       <dgm:spPr/>
     </dgm:pt>
     <dgm:pt modelId="{B2A35A7F-F219-4262-A135-EF890020A733}">
@@ -3096,10 +3227,24 @@
     <dgm:pt modelId="{75A2291E-F8C9-47A2-B9A4-C758CED71325}" type="pres">
       <dgm:prSet presAssocID="{25CB4A5B-2F15-4694-A568-3A7088932479}" presName="sibTrans" presStyleLbl="sibTrans2D1" presStyleIdx="0" presStyleCnt="3"/>
       <dgm:spPr/>
+      <dgm:t>
+        <a:bodyPr/>
+        <a:lstStyle/>
+        <a:p>
+          <a:endParaRPr lang="en-US"/>
+        </a:p>
+      </dgm:t>
     </dgm:pt>
     <dgm:pt modelId="{5D65A5C0-E261-424F-83CB-9366A52D8844}" type="pres">
       <dgm:prSet presAssocID="{25CB4A5B-2F15-4694-A568-3A7088932479}" presName="connectorText" presStyleLbl="sibTrans2D1" presStyleIdx="0" presStyleCnt="3"/>
       <dgm:spPr/>
+      <dgm:t>
+        <a:bodyPr/>
+        <a:lstStyle/>
+        <a:p>
+          <a:endParaRPr lang="en-US"/>
+        </a:p>
+      </dgm:t>
     </dgm:pt>
     <dgm:pt modelId="{CBE8582C-11A6-4C56-AE62-97F6C63183F0}" type="pres">
       <dgm:prSet presAssocID="{B0352543-5C7D-4618-BD4A-B61AC4563FFC}" presName="node" presStyleLbl="node1" presStyleIdx="1" presStyleCnt="4">
@@ -3119,10 +3264,24 @@
     <dgm:pt modelId="{3157C683-6C49-488E-BF01-E19E23D4066F}" type="pres">
       <dgm:prSet presAssocID="{53BF202C-8D67-4BC0-8F83-69FA31AFB51B}" presName="sibTrans" presStyleLbl="sibTrans2D1" presStyleIdx="1" presStyleCnt="3"/>
       <dgm:spPr/>
+      <dgm:t>
+        <a:bodyPr/>
+        <a:lstStyle/>
+        <a:p>
+          <a:endParaRPr lang="en-US"/>
+        </a:p>
+      </dgm:t>
     </dgm:pt>
     <dgm:pt modelId="{EF365BE4-F793-43DE-946D-8EE4B0BCFA73}" type="pres">
       <dgm:prSet presAssocID="{53BF202C-8D67-4BC0-8F83-69FA31AFB51B}" presName="connectorText" presStyleLbl="sibTrans2D1" presStyleIdx="1" presStyleCnt="3"/>
       <dgm:spPr/>
+      <dgm:t>
+        <a:bodyPr/>
+        <a:lstStyle/>
+        <a:p>
+          <a:endParaRPr lang="en-US"/>
+        </a:p>
+      </dgm:t>
     </dgm:pt>
     <dgm:pt modelId="{002D9EA2-C7B5-4D30-B6F9-392FF728A807}" type="pres">
       <dgm:prSet presAssocID="{94637063-D815-4D09-9196-FD7C5268CDDB}" presName="node" presStyleLbl="node1" presStyleIdx="2" presStyleCnt="4">
@@ -3142,10 +3301,24 @@
     <dgm:pt modelId="{91402558-1555-4F57-8F09-CFA1AC1FB4B0}" type="pres">
       <dgm:prSet presAssocID="{2E7C1F86-CD93-46FA-AAB0-032C270DB566}" presName="sibTrans" presStyleLbl="sibTrans2D1" presStyleIdx="2" presStyleCnt="3"/>
       <dgm:spPr/>
+      <dgm:t>
+        <a:bodyPr/>
+        <a:lstStyle/>
+        <a:p>
+          <a:endParaRPr lang="en-US"/>
+        </a:p>
+      </dgm:t>
     </dgm:pt>
     <dgm:pt modelId="{3F2454AE-B205-4EC9-9EA3-5FB2BB277FF2}" type="pres">
       <dgm:prSet presAssocID="{2E7C1F86-CD93-46FA-AAB0-032C270DB566}" presName="connectorText" presStyleLbl="sibTrans2D1" presStyleIdx="2" presStyleCnt="3"/>
       <dgm:spPr/>
+      <dgm:t>
+        <a:bodyPr/>
+        <a:lstStyle/>
+        <a:p>
+          <a:endParaRPr lang="en-US"/>
+        </a:p>
+      </dgm:t>
     </dgm:pt>
     <dgm:pt modelId="{0429F8A6-5D1A-4B76-B54D-DAD1E805FD25}" type="pres">
       <dgm:prSet presAssocID="{E07216E7-8078-4AC1-91E6-E53B9EB188B8}" presName="node" presStyleLbl="node1" presStyleIdx="3" presStyleCnt="4">
@@ -3154,6 +3327,13 @@
         </dgm:presLayoutVars>
       </dgm:prSet>
       <dgm:spPr/>
+      <dgm:t>
+        <a:bodyPr/>
+        <a:lstStyle/>
+        <a:p>
+          <a:endParaRPr lang="en-US"/>
+        </a:p>
+      </dgm:t>
     </dgm:pt>
   </dgm:ptLst>
   <dgm:cxnLst>
@@ -3216,40 +3396,68 @@
             <a:gd name="adj" fmla="val 10000"/>
           </a:avLst>
         </a:prstGeom>
-        <a:solidFill>
-          <a:schemeClr val="accent1">
-            <a:hueOff val="0"/>
-            <a:satOff val="0"/>
-            <a:lumOff val="0"/>
-            <a:alphaOff val="0"/>
-          </a:schemeClr>
-        </a:solidFill>
-        <a:ln w="12700" cap="flat" cmpd="sng" algn="ctr">
-          <a:solidFill>
-            <a:schemeClr val="lt1">
-              <a:hueOff val="0"/>
-              <a:satOff val="0"/>
-              <a:lumOff val="0"/>
-              <a:alphaOff val="0"/>
-            </a:schemeClr>
-          </a:solidFill>
-          <a:prstDash val="solid"/>
-          <a:miter lim="800000"/>
+        <a:gradFill rotWithShape="0">
+          <a:gsLst>
+            <a:gs pos="0">
+              <a:schemeClr val="accent1">
+                <a:hueOff val="0"/>
+                <a:satOff val="0"/>
+                <a:lumOff val="0"/>
+                <a:alphaOff val="0"/>
+                <a:lumMod val="110000"/>
+                <a:satMod val="105000"/>
+                <a:tint val="67000"/>
+              </a:schemeClr>
+            </a:gs>
+            <a:gs pos="50000">
+              <a:schemeClr val="accent1">
+                <a:hueOff val="0"/>
+                <a:satOff val="0"/>
+                <a:lumOff val="0"/>
+                <a:alphaOff val="0"/>
+                <a:lumMod val="105000"/>
+                <a:satMod val="103000"/>
+                <a:tint val="73000"/>
+              </a:schemeClr>
+            </a:gs>
+            <a:gs pos="100000">
+              <a:schemeClr val="accent1">
+                <a:hueOff val="0"/>
+                <a:satOff val="0"/>
+                <a:lumOff val="0"/>
+                <a:alphaOff val="0"/>
+                <a:lumMod val="105000"/>
+                <a:satMod val="109000"/>
+                <a:tint val="81000"/>
+              </a:schemeClr>
+            </a:gs>
+          </a:gsLst>
+          <a:lin ang="5400000" scaled="0"/>
+        </a:gradFill>
+        <a:ln>
+          <a:noFill/>
         </a:ln>
         <a:effectLst/>
+        <a:scene3d>
+          <a:camera prst="orthographicFront"/>
+          <a:lightRig rig="flat" dir="t"/>
+        </a:scene3d>
+        <a:sp3d prstMaterial="dkEdge">
+          <a:bevelT w="8200" h="38100"/>
+        </a:sp3d>
       </dsp:spPr>
       <dsp:style>
-        <a:lnRef idx="2">
+        <a:lnRef idx="0">
           <a:scrgbClr r="0" g="0" b="0"/>
         </a:lnRef>
-        <a:fillRef idx="1">
+        <a:fillRef idx="2">
           <a:scrgbClr r="0" g="0" b="0"/>
         </a:fillRef>
-        <a:effectRef idx="0">
+        <a:effectRef idx="1">
           <a:scrgbClr r="0" g="0" b="0"/>
         </a:effectRef>
         <a:fontRef idx="minor">
-          <a:schemeClr val="lt1"/>
+          <a:schemeClr val="dk1"/>
         </a:fontRef>
       </dsp:style>
       <dsp:txBody>
@@ -3297,15 +3505,47 @@
             <a:gd name="adj2" fmla="val 50000"/>
           </a:avLst>
         </a:prstGeom>
-        <a:solidFill>
-          <a:schemeClr val="accent1">
-            <a:tint val="60000"/>
-            <a:hueOff val="0"/>
-            <a:satOff val="0"/>
-            <a:lumOff val="0"/>
-            <a:alphaOff val="0"/>
-          </a:schemeClr>
-        </a:solidFill>
+        <a:gradFill rotWithShape="0">
+          <a:gsLst>
+            <a:gs pos="0">
+              <a:schemeClr val="accent1">
+                <a:tint val="60000"/>
+                <a:hueOff val="0"/>
+                <a:satOff val="0"/>
+                <a:lumOff val="0"/>
+                <a:alphaOff val="0"/>
+                <a:lumMod val="110000"/>
+                <a:satMod val="105000"/>
+                <a:tint val="67000"/>
+              </a:schemeClr>
+            </a:gs>
+            <a:gs pos="50000">
+              <a:schemeClr val="accent1">
+                <a:tint val="60000"/>
+                <a:hueOff val="0"/>
+                <a:satOff val="0"/>
+                <a:lumOff val="0"/>
+                <a:alphaOff val="0"/>
+                <a:lumMod val="105000"/>
+                <a:satMod val="103000"/>
+                <a:tint val="73000"/>
+              </a:schemeClr>
+            </a:gs>
+            <a:gs pos="100000">
+              <a:schemeClr val="accent1">
+                <a:tint val="60000"/>
+                <a:hueOff val="0"/>
+                <a:satOff val="0"/>
+                <a:lumOff val="0"/>
+                <a:alphaOff val="0"/>
+                <a:lumMod val="105000"/>
+                <a:satMod val="109000"/>
+                <a:tint val="81000"/>
+              </a:schemeClr>
+            </a:gs>
+          </a:gsLst>
+          <a:lin ang="5400000" scaled="0"/>
+        </a:gradFill>
         <a:ln>
           <a:noFill/>
         </a:ln>
@@ -3315,14 +3555,14 @@
         <a:lnRef idx="0">
           <a:scrgbClr r="0" g="0" b="0"/>
         </a:lnRef>
-        <a:fillRef idx="1">
+        <a:fillRef idx="2">
           <a:scrgbClr r="0" g="0" b="0"/>
         </a:fillRef>
-        <a:effectRef idx="0">
+        <a:effectRef idx="1">
           <a:scrgbClr r="0" g="0" b="0"/>
         </a:effectRef>
         <a:fontRef idx="minor">
-          <a:schemeClr val="lt1"/>
+          <a:schemeClr val="dk1"/>
         </a:fontRef>
       </dsp:style>
       <dsp:txBody>
@@ -3365,40 +3605,68 @@
             <a:gd name="adj" fmla="val 10000"/>
           </a:avLst>
         </a:prstGeom>
-        <a:solidFill>
-          <a:schemeClr val="accent1">
-            <a:hueOff val="0"/>
-            <a:satOff val="0"/>
-            <a:lumOff val="0"/>
-            <a:alphaOff val="0"/>
-          </a:schemeClr>
-        </a:solidFill>
-        <a:ln w="12700" cap="flat" cmpd="sng" algn="ctr">
-          <a:solidFill>
-            <a:schemeClr val="lt1">
-              <a:hueOff val="0"/>
-              <a:satOff val="0"/>
-              <a:lumOff val="0"/>
-              <a:alphaOff val="0"/>
-            </a:schemeClr>
-          </a:solidFill>
-          <a:prstDash val="solid"/>
-          <a:miter lim="800000"/>
+        <a:gradFill rotWithShape="0">
+          <a:gsLst>
+            <a:gs pos="0">
+              <a:schemeClr val="accent1">
+                <a:hueOff val="0"/>
+                <a:satOff val="0"/>
+                <a:lumOff val="0"/>
+                <a:alphaOff val="0"/>
+                <a:lumMod val="110000"/>
+                <a:satMod val="105000"/>
+                <a:tint val="67000"/>
+              </a:schemeClr>
+            </a:gs>
+            <a:gs pos="50000">
+              <a:schemeClr val="accent1">
+                <a:hueOff val="0"/>
+                <a:satOff val="0"/>
+                <a:lumOff val="0"/>
+                <a:alphaOff val="0"/>
+                <a:lumMod val="105000"/>
+                <a:satMod val="103000"/>
+                <a:tint val="73000"/>
+              </a:schemeClr>
+            </a:gs>
+            <a:gs pos="100000">
+              <a:schemeClr val="accent1">
+                <a:hueOff val="0"/>
+                <a:satOff val="0"/>
+                <a:lumOff val="0"/>
+                <a:alphaOff val="0"/>
+                <a:lumMod val="105000"/>
+                <a:satMod val="109000"/>
+                <a:tint val="81000"/>
+              </a:schemeClr>
+            </a:gs>
+          </a:gsLst>
+          <a:lin ang="5400000" scaled="0"/>
+        </a:gradFill>
+        <a:ln>
+          <a:noFill/>
         </a:ln>
         <a:effectLst/>
+        <a:scene3d>
+          <a:camera prst="orthographicFront"/>
+          <a:lightRig rig="flat" dir="t"/>
+        </a:scene3d>
+        <a:sp3d prstMaterial="dkEdge">
+          <a:bevelT w="8200" h="38100"/>
+        </a:sp3d>
       </dsp:spPr>
       <dsp:style>
-        <a:lnRef idx="2">
+        <a:lnRef idx="0">
           <a:scrgbClr r="0" g="0" b="0"/>
         </a:lnRef>
-        <a:fillRef idx="1">
+        <a:fillRef idx="2">
           <a:scrgbClr r="0" g="0" b="0"/>
         </a:fillRef>
-        <a:effectRef idx="0">
+        <a:effectRef idx="1">
           <a:scrgbClr r="0" g="0" b="0"/>
         </a:effectRef>
         <a:fontRef idx="minor">
-          <a:schemeClr val="lt1"/>
+          <a:schemeClr val="dk1"/>
         </a:fontRef>
       </dsp:style>
       <dsp:txBody>
@@ -3446,15 +3714,47 @@
             <a:gd name="adj2" fmla="val 50000"/>
           </a:avLst>
         </a:prstGeom>
-        <a:solidFill>
-          <a:schemeClr val="accent1">
-            <a:tint val="60000"/>
-            <a:hueOff val="0"/>
-            <a:satOff val="0"/>
-            <a:lumOff val="0"/>
-            <a:alphaOff val="0"/>
-          </a:schemeClr>
-        </a:solidFill>
+        <a:gradFill rotWithShape="0">
+          <a:gsLst>
+            <a:gs pos="0">
+              <a:schemeClr val="accent1">
+                <a:tint val="60000"/>
+                <a:hueOff val="0"/>
+                <a:satOff val="0"/>
+                <a:lumOff val="0"/>
+                <a:alphaOff val="0"/>
+                <a:lumMod val="110000"/>
+                <a:satMod val="105000"/>
+                <a:tint val="67000"/>
+              </a:schemeClr>
+            </a:gs>
+            <a:gs pos="50000">
+              <a:schemeClr val="accent1">
+                <a:tint val="60000"/>
+                <a:hueOff val="0"/>
+                <a:satOff val="0"/>
+                <a:lumOff val="0"/>
+                <a:alphaOff val="0"/>
+                <a:lumMod val="105000"/>
+                <a:satMod val="103000"/>
+                <a:tint val="73000"/>
+              </a:schemeClr>
+            </a:gs>
+            <a:gs pos="100000">
+              <a:schemeClr val="accent1">
+                <a:tint val="60000"/>
+                <a:hueOff val="0"/>
+                <a:satOff val="0"/>
+                <a:lumOff val="0"/>
+                <a:alphaOff val="0"/>
+                <a:lumMod val="105000"/>
+                <a:satMod val="109000"/>
+                <a:tint val="81000"/>
+              </a:schemeClr>
+            </a:gs>
+          </a:gsLst>
+          <a:lin ang="5400000" scaled="0"/>
+        </a:gradFill>
         <a:ln>
           <a:noFill/>
         </a:ln>
@@ -3464,14 +3764,14 @@
         <a:lnRef idx="0">
           <a:scrgbClr r="0" g="0" b="0"/>
         </a:lnRef>
-        <a:fillRef idx="1">
+        <a:fillRef idx="2">
           <a:scrgbClr r="0" g="0" b="0"/>
         </a:fillRef>
-        <a:effectRef idx="0">
+        <a:effectRef idx="1">
           <a:scrgbClr r="0" g="0" b="0"/>
         </a:effectRef>
         <a:fontRef idx="minor">
-          <a:schemeClr val="lt1"/>
+          <a:schemeClr val="dk1"/>
         </a:fontRef>
       </dsp:style>
       <dsp:txBody>
@@ -3514,40 +3814,68 @@
             <a:gd name="adj" fmla="val 10000"/>
           </a:avLst>
         </a:prstGeom>
-        <a:solidFill>
-          <a:schemeClr val="accent1">
-            <a:hueOff val="0"/>
-            <a:satOff val="0"/>
-            <a:lumOff val="0"/>
-            <a:alphaOff val="0"/>
-          </a:schemeClr>
-        </a:solidFill>
-        <a:ln w="12700" cap="flat" cmpd="sng" algn="ctr">
-          <a:solidFill>
-            <a:schemeClr val="lt1">
-              <a:hueOff val="0"/>
-              <a:satOff val="0"/>
-              <a:lumOff val="0"/>
-              <a:alphaOff val="0"/>
-            </a:schemeClr>
-          </a:solidFill>
-          <a:prstDash val="solid"/>
-          <a:miter lim="800000"/>
+        <a:gradFill rotWithShape="0">
+          <a:gsLst>
+            <a:gs pos="0">
+              <a:schemeClr val="accent1">
+                <a:hueOff val="0"/>
+                <a:satOff val="0"/>
+                <a:lumOff val="0"/>
+                <a:alphaOff val="0"/>
+                <a:lumMod val="110000"/>
+                <a:satMod val="105000"/>
+                <a:tint val="67000"/>
+              </a:schemeClr>
+            </a:gs>
+            <a:gs pos="50000">
+              <a:schemeClr val="accent1">
+                <a:hueOff val="0"/>
+                <a:satOff val="0"/>
+                <a:lumOff val="0"/>
+                <a:alphaOff val="0"/>
+                <a:lumMod val="105000"/>
+                <a:satMod val="103000"/>
+                <a:tint val="73000"/>
+              </a:schemeClr>
+            </a:gs>
+            <a:gs pos="100000">
+              <a:schemeClr val="accent1">
+                <a:hueOff val="0"/>
+                <a:satOff val="0"/>
+                <a:lumOff val="0"/>
+                <a:alphaOff val="0"/>
+                <a:lumMod val="105000"/>
+                <a:satMod val="109000"/>
+                <a:tint val="81000"/>
+              </a:schemeClr>
+            </a:gs>
+          </a:gsLst>
+          <a:lin ang="5400000" scaled="0"/>
+        </a:gradFill>
+        <a:ln>
+          <a:noFill/>
         </a:ln>
         <a:effectLst/>
+        <a:scene3d>
+          <a:camera prst="orthographicFront"/>
+          <a:lightRig rig="flat" dir="t"/>
+        </a:scene3d>
+        <a:sp3d prstMaterial="dkEdge">
+          <a:bevelT w="8200" h="38100"/>
+        </a:sp3d>
       </dsp:spPr>
       <dsp:style>
-        <a:lnRef idx="2">
+        <a:lnRef idx="0">
           <a:scrgbClr r="0" g="0" b="0"/>
         </a:lnRef>
-        <a:fillRef idx="1">
+        <a:fillRef idx="2">
           <a:scrgbClr r="0" g="0" b="0"/>
         </a:fillRef>
-        <a:effectRef idx="0">
+        <a:effectRef idx="1">
           <a:scrgbClr r="0" g="0" b="0"/>
         </a:effectRef>
         <a:fontRef idx="minor">
-          <a:schemeClr val="lt1"/>
+          <a:schemeClr val="dk1"/>
         </a:fontRef>
       </dsp:style>
       <dsp:txBody>
@@ -3595,15 +3923,47 @@
             <a:gd name="adj2" fmla="val 50000"/>
           </a:avLst>
         </a:prstGeom>
-        <a:solidFill>
-          <a:schemeClr val="accent1">
-            <a:tint val="60000"/>
-            <a:hueOff val="0"/>
-            <a:satOff val="0"/>
-            <a:lumOff val="0"/>
-            <a:alphaOff val="0"/>
-          </a:schemeClr>
-        </a:solidFill>
+        <a:gradFill rotWithShape="0">
+          <a:gsLst>
+            <a:gs pos="0">
+              <a:schemeClr val="accent1">
+                <a:tint val="60000"/>
+                <a:hueOff val="0"/>
+                <a:satOff val="0"/>
+                <a:lumOff val="0"/>
+                <a:alphaOff val="0"/>
+                <a:lumMod val="110000"/>
+                <a:satMod val="105000"/>
+                <a:tint val="67000"/>
+              </a:schemeClr>
+            </a:gs>
+            <a:gs pos="50000">
+              <a:schemeClr val="accent1">
+                <a:tint val="60000"/>
+                <a:hueOff val="0"/>
+                <a:satOff val="0"/>
+                <a:lumOff val="0"/>
+                <a:alphaOff val="0"/>
+                <a:lumMod val="105000"/>
+                <a:satMod val="103000"/>
+                <a:tint val="73000"/>
+              </a:schemeClr>
+            </a:gs>
+            <a:gs pos="100000">
+              <a:schemeClr val="accent1">
+                <a:tint val="60000"/>
+                <a:hueOff val="0"/>
+                <a:satOff val="0"/>
+                <a:lumOff val="0"/>
+                <a:alphaOff val="0"/>
+                <a:lumMod val="105000"/>
+                <a:satMod val="109000"/>
+                <a:tint val="81000"/>
+              </a:schemeClr>
+            </a:gs>
+          </a:gsLst>
+          <a:lin ang="5400000" scaled="0"/>
+        </a:gradFill>
         <a:ln>
           <a:noFill/>
         </a:ln>
@@ -3613,14 +3973,14 @@
         <a:lnRef idx="0">
           <a:scrgbClr r="0" g="0" b="0"/>
         </a:lnRef>
-        <a:fillRef idx="1">
+        <a:fillRef idx="2">
           <a:scrgbClr r="0" g="0" b="0"/>
         </a:fillRef>
-        <a:effectRef idx="0">
+        <a:effectRef idx="1">
           <a:scrgbClr r="0" g="0" b="0"/>
         </a:effectRef>
         <a:fontRef idx="minor">
-          <a:schemeClr val="lt1"/>
+          <a:schemeClr val="dk1"/>
         </a:fontRef>
       </dsp:style>
       <dsp:txBody>
@@ -3663,40 +4023,68 @@
             <a:gd name="adj" fmla="val 10000"/>
           </a:avLst>
         </a:prstGeom>
-        <a:solidFill>
-          <a:schemeClr val="accent1">
-            <a:hueOff val="0"/>
-            <a:satOff val="0"/>
-            <a:lumOff val="0"/>
-            <a:alphaOff val="0"/>
-          </a:schemeClr>
-        </a:solidFill>
-        <a:ln w="12700" cap="flat" cmpd="sng" algn="ctr">
-          <a:solidFill>
-            <a:schemeClr val="lt1">
-              <a:hueOff val="0"/>
-              <a:satOff val="0"/>
-              <a:lumOff val="0"/>
-              <a:alphaOff val="0"/>
-            </a:schemeClr>
-          </a:solidFill>
-          <a:prstDash val="solid"/>
-          <a:miter lim="800000"/>
+        <a:gradFill rotWithShape="0">
+          <a:gsLst>
+            <a:gs pos="0">
+              <a:schemeClr val="accent1">
+                <a:hueOff val="0"/>
+                <a:satOff val="0"/>
+                <a:lumOff val="0"/>
+                <a:alphaOff val="0"/>
+                <a:lumMod val="110000"/>
+                <a:satMod val="105000"/>
+                <a:tint val="67000"/>
+              </a:schemeClr>
+            </a:gs>
+            <a:gs pos="50000">
+              <a:schemeClr val="accent1">
+                <a:hueOff val="0"/>
+                <a:satOff val="0"/>
+                <a:lumOff val="0"/>
+                <a:alphaOff val="0"/>
+                <a:lumMod val="105000"/>
+                <a:satMod val="103000"/>
+                <a:tint val="73000"/>
+              </a:schemeClr>
+            </a:gs>
+            <a:gs pos="100000">
+              <a:schemeClr val="accent1">
+                <a:hueOff val="0"/>
+                <a:satOff val="0"/>
+                <a:lumOff val="0"/>
+                <a:alphaOff val="0"/>
+                <a:lumMod val="105000"/>
+                <a:satMod val="109000"/>
+                <a:tint val="81000"/>
+              </a:schemeClr>
+            </a:gs>
+          </a:gsLst>
+          <a:lin ang="5400000" scaled="0"/>
+        </a:gradFill>
+        <a:ln>
+          <a:noFill/>
         </a:ln>
         <a:effectLst/>
+        <a:scene3d>
+          <a:camera prst="orthographicFront"/>
+          <a:lightRig rig="flat" dir="t"/>
+        </a:scene3d>
+        <a:sp3d prstMaterial="dkEdge">
+          <a:bevelT w="8200" h="38100"/>
+        </a:sp3d>
       </dsp:spPr>
       <dsp:style>
-        <a:lnRef idx="2">
+        <a:lnRef idx="0">
           <a:scrgbClr r="0" g="0" b="0"/>
         </a:lnRef>
-        <a:fillRef idx="1">
+        <a:fillRef idx="2">
           <a:scrgbClr r="0" g="0" b="0"/>
         </a:fillRef>
-        <a:effectRef idx="0">
+        <a:effectRef idx="1">
           <a:scrgbClr r="0" g="0" b="0"/>
         </a:effectRef>
         <a:fontRef idx="minor">
-          <a:schemeClr val="lt1"/>
+          <a:schemeClr val="dk1"/>
         </a:fontRef>
       </dsp:style>
       <dsp:txBody>
@@ -3755,40 +4143,68 @@
             <a:gd name="adj" fmla="val 10000"/>
           </a:avLst>
         </a:prstGeom>
-        <a:solidFill>
-          <a:schemeClr val="accent1">
-            <a:hueOff val="0"/>
-            <a:satOff val="0"/>
-            <a:lumOff val="0"/>
-            <a:alphaOff val="0"/>
-          </a:schemeClr>
-        </a:solidFill>
-        <a:ln w="12700" cap="flat" cmpd="sng" algn="ctr">
-          <a:solidFill>
-            <a:schemeClr val="lt1">
-              <a:hueOff val="0"/>
-              <a:satOff val="0"/>
-              <a:lumOff val="0"/>
-              <a:alphaOff val="0"/>
-            </a:schemeClr>
-          </a:solidFill>
-          <a:prstDash val="solid"/>
-          <a:miter lim="800000"/>
+        <a:gradFill rotWithShape="0">
+          <a:gsLst>
+            <a:gs pos="0">
+              <a:schemeClr val="accent1">
+                <a:hueOff val="0"/>
+                <a:satOff val="0"/>
+                <a:lumOff val="0"/>
+                <a:alphaOff val="0"/>
+                <a:lumMod val="110000"/>
+                <a:satMod val="105000"/>
+                <a:tint val="67000"/>
+              </a:schemeClr>
+            </a:gs>
+            <a:gs pos="50000">
+              <a:schemeClr val="accent1">
+                <a:hueOff val="0"/>
+                <a:satOff val="0"/>
+                <a:lumOff val="0"/>
+                <a:alphaOff val="0"/>
+                <a:lumMod val="105000"/>
+                <a:satMod val="103000"/>
+                <a:tint val="73000"/>
+              </a:schemeClr>
+            </a:gs>
+            <a:gs pos="100000">
+              <a:schemeClr val="accent1">
+                <a:hueOff val="0"/>
+                <a:satOff val="0"/>
+                <a:lumOff val="0"/>
+                <a:alphaOff val="0"/>
+                <a:lumMod val="105000"/>
+                <a:satMod val="109000"/>
+                <a:tint val="81000"/>
+              </a:schemeClr>
+            </a:gs>
+          </a:gsLst>
+          <a:lin ang="5400000" scaled="0"/>
+        </a:gradFill>
+        <a:ln>
+          <a:noFill/>
         </a:ln>
         <a:effectLst/>
+        <a:scene3d>
+          <a:camera prst="orthographicFront"/>
+          <a:lightRig rig="flat" dir="t"/>
+        </a:scene3d>
+        <a:sp3d prstMaterial="dkEdge">
+          <a:bevelT w="8200" h="38100"/>
+        </a:sp3d>
       </dsp:spPr>
       <dsp:style>
-        <a:lnRef idx="2">
+        <a:lnRef idx="0">
           <a:scrgbClr r="0" g="0" b="0"/>
         </a:lnRef>
-        <a:fillRef idx="1">
+        <a:fillRef idx="2">
           <a:scrgbClr r="0" g="0" b="0"/>
         </a:fillRef>
-        <a:effectRef idx="0">
+        <a:effectRef idx="1">
           <a:scrgbClr r="0" g="0" b="0"/>
         </a:effectRef>
         <a:fontRef idx="minor">
-          <a:schemeClr val="lt1"/>
+          <a:schemeClr val="dk1"/>
         </a:fontRef>
       </dsp:style>
       <dsp:txBody>
@@ -3836,15 +4252,47 @@
             <a:gd name="adj2" fmla="val 50000"/>
           </a:avLst>
         </a:prstGeom>
-        <a:solidFill>
-          <a:schemeClr val="accent1">
-            <a:tint val="60000"/>
-            <a:hueOff val="0"/>
-            <a:satOff val="0"/>
-            <a:lumOff val="0"/>
-            <a:alphaOff val="0"/>
-          </a:schemeClr>
-        </a:solidFill>
+        <a:gradFill rotWithShape="0">
+          <a:gsLst>
+            <a:gs pos="0">
+              <a:schemeClr val="accent1">
+                <a:tint val="60000"/>
+                <a:hueOff val="0"/>
+                <a:satOff val="0"/>
+                <a:lumOff val="0"/>
+                <a:alphaOff val="0"/>
+                <a:lumMod val="110000"/>
+                <a:satMod val="105000"/>
+                <a:tint val="67000"/>
+              </a:schemeClr>
+            </a:gs>
+            <a:gs pos="50000">
+              <a:schemeClr val="accent1">
+                <a:tint val="60000"/>
+                <a:hueOff val="0"/>
+                <a:satOff val="0"/>
+                <a:lumOff val="0"/>
+                <a:alphaOff val="0"/>
+                <a:lumMod val="105000"/>
+                <a:satMod val="103000"/>
+                <a:tint val="73000"/>
+              </a:schemeClr>
+            </a:gs>
+            <a:gs pos="100000">
+              <a:schemeClr val="accent1">
+                <a:tint val="60000"/>
+                <a:hueOff val="0"/>
+                <a:satOff val="0"/>
+                <a:lumOff val="0"/>
+                <a:alphaOff val="0"/>
+                <a:lumMod val="105000"/>
+                <a:satMod val="109000"/>
+                <a:tint val="81000"/>
+              </a:schemeClr>
+            </a:gs>
+          </a:gsLst>
+          <a:lin ang="5400000" scaled="0"/>
+        </a:gradFill>
         <a:ln>
           <a:noFill/>
         </a:ln>
@@ -3854,14 +4302,14 @@
         <a:lnRef idx="0">
           <a:scrgbClr r="0" g="0" b="0"/>
         </a:lnRef>
-        <a:fillRef idx="1">
+        <a:fillRef idx="2">
           <a:scrgbClr r="0" g="0" b="0"/>
         </a:fillRef>
-        <a:effectRef idx="0">
+        <a:effectRef idx="1">
           <a:scrgbClr r="0" g="0" b="0"/>
         </a:effectRef>
         <a:fontRef idx="minor">
-          <a:schemeClr val="lt1"/>
+          <a:schemeClr val="dk1"/>
         </a:fontRef>
       </dsp:style>
       <dsp:txBody>
@@ -3870,7 +4318,7 @@
         </a:bodyPr>
         <a:lstStyle/>
         <a:p>
-          <a:pPr lvl="0" algn="ctr" defTabSz="1600200">
+          <a:pPr lvl="0" algn="ctr" defTabSz="977900">
             <a:lnSpc>
               <a:spcPct val="90000"/>
             </a:lnSpc>
@@ -3881,7 +4329,7 @@
               <a:spcPct val="35000"/>
             </a:spcAft>
           </a:pPr>
-          <a:endParaRPr lang="en-US" sz="3600" kern="1200"/>
+          <a:endParaRPr lang="en-US" sz="2200" kern="1200"/>
         </a:p>
       </dsp:txBody>
       <dsp:txXfrm>
@@ -3904,40 +4352,68 @@
             <a:gd name="adj" fmla="val 10000"/>
           </a:avLst>
         </a:prstGeom>
-        <a:solidFill>
-          <a:schemeClr val="accent1">
-            <a:hueOff val="0"/>
-            <a:satOff val="0"/>
-            <a:lumOff val="0"/>
-            <a:alphaOff val="0"/>
-          </a:schemeClr>
-        </a:solidFill>
-        <a:ln w="12700" cap="flat" cmpd="sng" algn="ctr">
-          <a:solidFill>
-            <a:schemeClr val="lt1">
-              <a:hueOff val="0"/>
-              <a:satOff val="0"/>
-              <a:lumOff val="0"/>
-              <a:alphaOff val="0"/>
-            </a:schemeClr>
-          </a:solidFill>
-          <a:prstDash val="solid"/>
-          <a:miter lim="800000"/>
+        <a:gradFill rotWithShape="0">
+          <a:gsLst>
+            <a:gs pos="0">
+              <a:schemeClr val="accent1">
+                <a:hueOff val="0"/>
+                <a:satOff val="0"/>
+                <a:lumOff val="0"/>
+                <a:alphaOff val="0"/>
+                <a:lumMod val="110000"/>
+                <a:satMod val="105000"/>
+                <a:tint val="67000"/>
+              </a:schemeClr>
+            </a:gs>
+            <a:gs pos="50000">
+              <a:schemeClr val="accent1">
+                <a:hueOff val="0"/>
+                <a:satOff val="0"/>
+                <a:lumOff val="0"/>
+                <a:alphaOff val="0"/>
+                <a:lumMod val="105000"/>
+                <a:satMod val="103000"/>
+                <a:tint val="73000"/>
+              </a:schemeClr>
+            </a:gs>
+            <a:gs pos="100000">
+              <a:schemeClr val="accent1">
+                <a:hueOff val="0"/>
+                <a:satOff val="0"/>
+                <a:lumOff val="0"/>
+                <a:alphaOff val="0"/>
+                <a:lumMod val="105000"/>
+                <a:satMod val="109000"/>
+                <a:tint val="81000"/>
+              </a:schemeClr>
+            </a:gs>
+          </a:gsLst>
+          <a:lin ang="5400000" scaled="0"/>
+        </a:gradFill>
+        <a:ln>
+          <a:noFill/>
         </a:ln>
         <a:effectLst/>
+        <a:scene3d>
+          <a:camera prst="orthographicFront"/>
+          <a:lightRig rig="flat" dir="t"/>
+        </a:scene3d>
+        <a:sp3d prstMaterial="dkEdge">
+          <a:bevelT w="8200" h="38100"/>
+        </a:sp3d>
       </dsp:spPr>
       <dsp:style>
-        <a:lnRef idx="2">
+        <a:lnRef idx="0">
           <a:scrgbClr r="0" g="0" b="0"/>
         </a:lnRef>
-        <a:fillRef idx="1">
+        <a:fillRef idx="2">
           <a:scrgbClr r="0" g="0" b="0"/>
         </a:fillRef>
-        <a:effectRef idx="0">
+        <a:effectRef idx="1">
           <a:scrgbClr r="0" g="0" b="0"/>
         </a:effectRef>
         <a:fontRef idx="minor">
-          <a:schemeClr val="lt1"/>
+          <a:schemeClr val="dk1"/>
         </a:fontRef>
       </dsp:style>
       <dsp:txBody>
@@ -4019,15 +4495,47 @@
             <a:gd name="adj2" fmla="val 50000"/>
           </a:avLst>
         </a:prstGeom>
-        <a:solidFill>
-          <a:schemeClr val="accent1">
-            <a:tint val="60000"/>
-            <a:hueOff val="0"/>
-            <a:satOff val="0"/>
-            <a:lumOff val="0"/>
-            <a:alphaOff val="0"/>
-          </a:schemeClr>
-        </a:solidFill>
+        <a:gradFill rotWithShape="0">
+          <a:gsLst>
+            <a:gs pos="0">
+              <a:schemeClr val="accent1">
+                <a:tint val="60000"/>
+                <a:hueOff val="0"/>
+                <a:satOff val="0"/>
+                <a:lumOff val="0"/>
+                <a:alphaOff val="0"/>
+                <a:lumMod val="110000"/>
+                <a:satMod val="105000"/>
+                <a:tint val="67000"/>
+              </a:schemeClr>
+            </a:gs>
+            <a:gs pos="50000">
+              <a:schemeClr val="accent1">
+                <a:tint val="60000"/>
+                <a:hueOff val="0"/>
+                <a:satOff val="0"/>
+                <a:lumOff val="0"/>
+                <a:alphaOff val="0"/>
+                <a:lumMod val="105000"/>
+                <a:satMod val="103000"/>
+                <a:tint val="73000"/>
+              </a:schemeClr>
+            </a:gs>
+            <a:gs pos="100000">
+              <a:schemeClr val="accent1">
+                <a:tint val="60000"/>
+                <a:hueOff val="0"/>
+                <a:satOff val="0"/>
+                <a:lumOff val="0"/>
+                <a:alphaOff val="0"/>
+                <a:lumMod val="105000"/>
+                <a:satMod val="109000"/>
+                <a:tint val="81000"/>
+              </a:schemeClr>
+            </a:gs>
+          </a:gsLst>
+          <a:lin ang="5400000" scaled="0"/>
+        </a:gradFill>
         <a:ln>
           <a:noFill/>
         </a:ln>
@@ -4037,14 +4545,14 @@
         <a:lnRef idx="0">
           <a:scrgbClr r="0" g="0" b="0"/>
         </a:lnRef>
-        <a:fillRef idx="1">
+        <a:fillRef idx="2">
           <a:scrgbClr r="0" g="0" b="0"/>
         </a:fillRef>
-        <a:effectRef idx="0">
+        <a:effectRef idx="1">
           <a:scrgbClr r="0" g="0" b="0"/>
         </a:effectRef>
         <a:fontRef idx="minor">
-          <a:schemeClr val="lt1"/>
+          <a:schemeClr val="dk1"/>
         </a:fontRef>
       </dsp:style>
       <dsp:txBody>
@@ -4053,7 +4561,7 @@
         </a:bodyPr>
         <a:lstStyle/>
         <a:p>
-          <a:pPr lvl="0" algn="ctr" defTabSz="1600200">
+          <a:pPr lvl="0" algn="ctr" defTabSz="977900">
             <a:lnSpc>
               <a:spcPct val="90000"/>
             </a:lnSpc>
@@ -4064,7 +4572,7 @@
               <a:spcPct val="35000"/>
             </a:spcAft>
           </a:pPr>
-          <a:endParaRPr lang="en-US" sz="3600" kern="1200"/>
+          <a:endParaRPr lang="en-US" sz="2200" kern="1200"/>
         </a:p>
       </dsp:txBody>
       <dsp:txXfrm>
@@ -4087,40 +4595,68 @@
             <a:gd name="adj" fmla="val 10000"/>
           </a:avLst>
         </a:prstGeom>
-        <a:solidFill>
-          <a:schemeClr val="accent1">
-            <a:hueOff val="0"/>
-            <a:satOff val="0"/>
-            <a:lumOff val="0"/>
-            <a:alphaOff val="0"/>
-          </a:schemeClr>
-        </a:solidFill>
-        <a:ln w="12700" cap="flat" cmpd="sng" algn="ctr">
-          <a:solidFill>
-            <a:schemeClr val="lt1">
-              <a:hueOff val="0"/>
-              <a:satOff val="0"/>
-              <a:lumOff val="0"/>
-              <a:alphaOff val="0"/>
-            </a:schemeClr>
-          </a:solidFill>
-          <a:prstDash val="solid"/>
-          <a:miter lim="800000"/>
+        <a:gradFill rotWithShape="0">
+          <a:gsLst>
+            <a:gs pos="0">
+              <a:schemeClr val="accent1">
+                <a:hueOff val="0"/>
+                <a:satOff val="0"/>
+                <a:lumOff val="0"/>
+                <a:alphaOff val="0"/>
+                <a:lumMod val="110000"/>
+                <a:satMod val="105000"/>
+                <a:tint val="67000"/>
+              </a:schemeClr>
+            </a:gs>
+            <a:gs pos="50000">
+              <a:schemeClr val="accent1">
+                <a:hueOff val="0"/>
+                <a:satOff val="0"/>
+                <a:lumOff val="0"/>
+                <a:alphaOff val="0"/>
+                <a:lumMod val="105000"/>
+                <a:satMod val="103000"/>
+                <a:tint val="73000"/>
+              </a:schemeClr>
+            </a:gs>
+            <a:gs pos="100000">
+              <a:schemeClr val="accent1">
+                <a:hueOff val="0"/>
+                <a:satOff val="0"/>
+                <a:lumOff val="0"/>
+                <a:alphaOff val="0"/>
+                <a:lumMod val="105000"/>
+                <a:satMod val="109000"/>
+                <a:tint val="81000"/>
+              </a:schemeClr>
+            </a:gs>
+          </a:gsLst>
+          <a:lin ang="5400000" scaled="0"/>
+        </a:gradFill>
+        <a:ln>
+          <a:noFill/>
         </a:ln>
         <a:effectLst/>
+        <a:scene3d>
+          <a:camera prst="orthographicFront"/>
+          <a:lightRig rig="flat" dir="t"/>
+        </a:scene3d>
+        <a:sp3d prstMaterial="dkEdge">
+          <a:bevelT w="8200" h="38100"/>
+        </a:sp3d>
       </dsp:spPr>
       <dsp:style>
-        <a:lnRef idx="2">
+        <a:lnRef idx="0">
           <a:scrgbClr r="0" g="0" b="0"/>
         </a:lnRef>
-        <a:fillRef idx="1">
+        <a:fillRef idx="2">
           <a:scrgbClr r="0" g="0" b="0"/>
         </a:fillRef>
-        <a:effectRef idx="0">
+        <a:effectRef idx="1">
           <a:scrgbClr r="0" g="0" b="0"/>
         </a:effectRef>
         <a:fontRef idx="minor">
-          <a:schemeClr val="lt1"/>
+          <a:schemeClr val="dk1"/>
         </a:fontRef>
       </dsp:style>
       <dsp:txBody>
@@ -4168,15 +4704,47 @@
             <a:gd name="adj2" fmla="val 50000"/>
           </a:avLst>
         </a:prstGeom>
-        <a:solidFill>
-          <a:schemeClr val="accent1">
-            <a:tint val="60000"/>
-            <a:hueOff val="0"/>
-            <a:satOff val="0"/>
-            <a:lumOff val="0"/>
-            <a:alphaOff val="0"/>
-          </a:schemeClr>
-        </a:solidFill>
+        <a:gradFill rotWithShape="0">
+          <a:gsLst>
+            <a:gs pos="0">
+              <a:schemeClr val="accent1">
+                <a:tint val="60000"/>
+                <a:hueOff val="0"/>
+                <a:satOff val="0"/>
+                <a:lumOff val="0"/>
+                <a:alphaOff val="0"/>
+                <a:lumMod val="110000"/>
+                <a:satMod val="105000"/>
+                <a:tint val="67000"/>
+              </a:schemeClr>
+            </a:gs>
+            <a:gs pos="50000">
+              <a:schemeClr val="accent1">
+                <a:tint val="60000"/>
+                <a:hueOff val="0"/>
+                <a:satOff val="0"/>
+                <a:lumOff val="0"/>
+                <a:alphaOff val="0"/>
+                <a:lumMod val="105000"/>
+                <a:satMod val="103000"/>
+                <a:tint val="73000"/>
+              </a:schemeClr>
+            </a:gs>
+            <a:gs pos="100000">
+              <a:schemeClr val="accent1">
+                <a:tint val="60000"/>
+                <a:hueOff val="0"/>
+                <a:satOff val="0"/>
+                <a:lumOff val="0"/>
+                <a:alphaOff val="0"/>
+                <a:lumMod val="105000"/>
+                <a:satMod val="109000"/>
+                <a:tint val="81000"/>
+              </a:schemeClr>
+            </a:gs>
+          </a:gsLst>
+          <a:lin ang="5400000" scaled="0"/>
+        </a:gradFill>
         <a:ln>
           <a:noFill/>
         </a:ln>
@@ -4186,14 +4754,14 @@
         <a:lnRef idx="0">
           <a:scrgbClr r="0" g="0" b="0"/>
         </a:lnRef>
-        <a:fillRef idx="1">
+        <a:fillRef idx="2">
           <a:scrgbClr r="0" g="0" b="0"/>
         </a:fillRef>
-        <a:effectRef idx="0">
+        <a:effectRef idx="1">
           <a:scrgbClr r="0" g="0" b="0"/>
         </a:effectRef>
         <a:fontRef idx="minor">
-          <a:schemeClr val="lt1"/>
+          <a:schemeClr val="dk1"/>
         </a:fontRef>
       </dsp:style>
       <dsp:txBody>
@@ -4202,7 +4770,7 @@
         </a:bodyPr>
         <a:lstStyle/>
         <a:p>
-          <a:pPr lvl="0" algn="ctr" defTabSz="1600200">
+          <a:pPr lvl="0" algn="ctr" defTabSz="977900">
             <a:lnSpc>
               <a:spcPct val="90000"/>
             </a:lnSpc>
@@ -4213,7 +4781,7 @@
               <a:spcPct val="35000"/>
             </a:spcAft>
           </a:pPr>
-          <a:endParaRPr lang="en-US" sz="3600" kern="1200"/>
+          <a:endParaRPr lang="en-US" sz="2200" kern="1200"/>
         </a:p>
       </dsp:txBody>
       <dsp:txXfrm>
@@ -4236,40 +4804,68 @@
             <a:gd name="adj" fmla="val 10000"/>
           </a:avLst>
         </a:prstGeom>
-        <a:solidFill>
-          <a:schemeClr val="accent1">
-            <a:hueOff val="0"/>
-            <a:satOff val="0"/>
-            <a:lumOff val="0"/>
-            <a:alphaOff val="0"/>
-          </a:schemeClr>
-        </a:solidFill>
-        <a:ln w="12700" cap="flat" cmpd="sng" algn="ctr">
-          <a:solidFill>
-            <a:schemeClr val="lt1">
-              <a:hueOff val="0"/>
-              <a:satOff val="0"/>
-              <a:lumOff val="0"/>
-              <a:alphaOff val="0"/>
-            </a:schemeClr>
-          </a:solidFill>
-          <a:prstDash val="solid"/>
-          <a:miter lim="800000"/>
+        <a:gradFill rotWithShape="0">
+          <a:gsLst>
+            <a:gs pos="0">
+              <a:schemeClr val="accent1">
+                <a:hueOff val="0"/>
+                <a:satOff val="0"/>
+                <a:lumOff val="0"/>
+                <a:alphaOff val="0"/>
+                <a:lumMod val="110000"/>
+                <a:satMod val="105000"/>
+                <a:tint val="67000"/>
+              </a:schemeClr>
+            </a:gs>
+            <a:gs pos="50000">
+              <a:schemeClr val="accent1">
+                <a:hueOff val="0"/>
+                <a:satOff val="0"/>
+                <a:lumOff val="0"/>
+                <a:alphaOff val="0"/>
+                <a:lumMod val="105000"/>
+                <a:satMod val="103000"/>
+                <a:tint val="73000"/>
+              </a:schemeClr>
+            </a:gs>
+            <a:gs pos="100000">
+              <a:schemeClr val="accent1">
+                <a:hueOff val="0"/>
+                <a:satOff val="0"/>
+                <a:lumOff val="0"/>
+                <a:alphaOff val="0"/>
+                <a:lumMod val="105000"/>
+                <a:satMod val="109000"/>
+                <a:tint val="81000"/>
+              </a:schemeClr>
+            </a:gs>
+          </a:gsLst>
+          <a:lin ang="5400000" scaled="0"/>
+        </a:gradFill>
+        <a:ln>
+          <a:noFill/>
         </a:ln>
         <a:effectLst/>
+        <a:scene3d>
+          <a:camera prst="orthographicFront"/>
+          <a:lightRig rig="flat" dir="t"/>
+        </a:scene3d>
+        <a:sp3d prstMaterial="dkEdge">
+          <a:bevelT w="8200" h="38100"/>
+        </a:sp3d>
       </dsp:spPr>
       <dsp:style>
-        <a:lnRef idx="2">
+        <a:lnRef idx="0">
           <a:scrgbClr r="0" g="0" b="0"/>
         </a:lnRef>
-        <a:fillRef idx="1">
+        <a:fillRef idx="2">
           <a:scrgbClr r="0" g="0" b="0"/>
         </a:fillRef>
-        <a:effectRef idx="0">
+        <a:effectRef idx="1">
           <a:scrgbClr r="0" g="0" b="0"/>
         </a:effectRef>
         <a:fontRef idx="minor">
-          <a:schemeClr val="lt1"/>
+          <a:schemeClr val="dk1"/>
         </a:fontRef>
       </dsp:style>
       <dsp:txBody>
@@ -4328,40 +4924,68 @@
             <a:gd name="adj" fmla="val 10000"/>
           </a:avLst>
         </a:prstGeom>
-        <a:solidFill>
-          <a:schemeClr val="accent1">
-            <a:hueOff val="0"/>
-            <a:satOff val="0"/>
-            <a:lumOff val="0"/>
-            <a:alphaOff val="0"/>
-          </a:schemeClr>
-        </a:solidFill>
-        <a:ln w="12700" cap="flat" cmpd="sng" algn="ctr">
-          <a:solidFill>
-            <a:schemeClr val="lt1">
-              <a:hueOff val="0"/>
-              <a:satOff val="0"/>
-              <a:lumOff val="0"/>
-              <a:alphaOff val="0"/>
-            </a:schemeClr>
-          </a:solidFill>
-          <a:prstDash val="solid"/>
-          <a:miter lim="800000"/>
+        <a:gradFill rotWithShape="0">
+          <a:gsLst>
+            <a:gs pos="0">
+              <a:schemeClr val="accent1">
+                <a:hueOff val="0"/>
+                <a:satOff val="0"/>
+                <a:lumOff val="0"/>
+                <a:alphaOff val="0"/>
+                <a:lumMod val="110000"/>
+                <a:satMod val="105000"/>
+                <a:tint val="67000"/>
+              </a:schemeClr>
+            </a:gs>
+            <a:gs pos="50000">
+              <a:schemeClr val="accent1">
+                <a:hueOff val="0"/>
+                <a:satOff val="0"/>
+                <a:lumOff val="0"/>
+                <a:alphaOff val="0"/>
+                <a:lumMod val="105000"/>
+                <a:satMod val="103000"/>
+                <a:tint val="73000"/>
+              </a:schemeClr>
+            </a:gs>
+            <a:gs pos="100000">
+              <a:schemeClr val="accent1">
+                <a:hueOff val="0"/>
+                <a:satOff val="0"/>
+                <a:lumOff val="0"/>
+                <a:alphaOff val="0"/>
+                <a:lumMod val="105000"/>
+                <a:satMod val="109000"/>
+                <a:tint val="81000"/>
+              </a:schemeClr>
+            </a:gs>
+          </a:gsLst>
+          <a:lin ang="5400000" scaled="0"/>
+        </a:gradFill>
+        <a:ln>
+          <a:noFill/>
         </a:ln>
         <a:effectLst/>
+        <a:scene3d>
+          <a:camera prst="orthographicFront"/>
+          <a:lightRig rig="flat" dir="t"/>
+        </a:scene3d>
+        <a:sp3d prstMaterial="dkEdge">
+          <a:bevelT w="8200" h="38100"/>
+        </a:sp3d>
       </dsp:spPr>
       <dsp:style>
-        <a:lnRef idx="2">
+        <a:lnRef idx="0">
           <a:scrgbClr r="0" g="0" b="0"/>
         </a:lnRef>
-        <a:fillRef idx="1">
+        <a:fillRef idx="2">
           <a:scrgbClr r="0" g="0" b="0"/>
         </a:fillRef>
-        <a:effectRef idx="0">
+        <a:effectRef idx="1">
           <a:scrgbClr r="0" g="0" b="0"/>
         </a:effectRef>
         <a:fontRef idx="minor">
-          <a:schemeClr val="lt1"/>
+          <a:schemeClr val="dk1"/>
         </a:fontRef>
       </dsp:style>
       <dsp:txBody>
@@ -4409,15 +5033,47 @@
             <a:gd name="adj2" fmla="val 50000"/>
           </a:avLst>
         </a:prstGeom>
-        <a:solidFill>
-          <a:schemeClr val="accent1">
-            <a:tint val="60000"/>
-            <a:hueOff val="0"/>
-            <a:satOff val="0"/>
-            <a:lumOff val="0"/>
-            <a:alphaOff val="0"/>
-          </a:schemeClr>
-        </a:solidFill>
+        <a:gradFill rotWithShape="0">
+          <a:gsLst>
+            <a:gs pos="0">
+              <a:schemeClr val="accent1">
+                <a:tint val="60000"/>
+                <a:hueOff val="0"/>
+                <a:satOff val="0"/>
+                <a:lumOff val="0"/>
+                <a:alphaOff val="0"/>
+                <a:lumMod val="110000"/>
+                <a:satMod val="105000"/>
+                <a:tint val="67000"/>
+              </a:schemeClr>
+            </a:gs>
+            <a:gs pos="50000">
+              <a:schemeClr val="accent1">
+                <a:tint val="60000"/>
+                <a:hueOff val="0"/>
+                <a:satOff val="0"/>
+                <a:lumOff val="0"/>
+                <a:alphaOff val="0"/>
+                <a:lumMod val="105000"/>
+                <a:satMod val="103000"/>
+                <a:tint val="73000"/>
+              </a:schemeClr>
+            </a:gs>
+            <a:gs pos="100000">
+              <a:schemeClr val="accent1">
+                <a:tint val="60000"/>
+                <a:hueOff val="0"/>
+                <a:satOff val="0"/>
+                <a:lumOff val="0"/>
+                <a:alphaOff val="0"/>
+                <a:lumMod val="105000"/>
+                <a:satMod val="109000"/>
+                <a:tint val="81000"/>
+              </a:schemeClr>
+            </a:gs>
+          </a:gsLst>
+          <a:lin ang="5400000" scaled="0"/>
+        </a:gradFill>
         <a:ln>
           <a:noFill/>
         </a:ln>
@@ -4427,14 +5083,14 @@
         <a:lnRef idx="0">
           <a:scrgbClr r="0" g="0" b="0"/>
         </a:lnRef>
-        <a:fillRef idx="1">
+        <a:fillRef idx="2">
           <a:scrgbClr r="0" g="0" b="0"/>
         </a:fillRef>
-        <a:effectRef idx="0">
+        <a:effectRef idx="1">
           <a:scrgbClr r="0" g="0" b="0"/>
         </a:effectRef>
         <a:fontRef idx="minor">
-          <a:schemeClr val="lt1"/>
+          <a:schemeClr val="dk1"/>
         </a:fontRef>
       </dsp:style>
       <dsp:txBody>
@@ -4477,40 +5133,68 @@
             <a:gd name="adj" fmla="val 10000"/>
           </a:avLst>
         </a:prstGeom>
-        <a:solidFill>
-          <a:schemeClr val="accent1">
-            <a:hueOff val="0"/>
-            <a:satOff val="0"/>
-            <a:lumOff val="0"/>
-            <a:alphaOff val="0"/>
-          </a:schemeClr>
-        </a:solidFill>
-        <a:ln w="12700" cap="flat" cmpd="sng" algn="ctr">
-          <a:solidFill>
-            <a:schemeClr val="lt1">
-              <a:hueOff val="0"/>
-              <a:satOff val="0"/>
-              <a:lumOff val="0"/>
-              <a:alphaOff val="0"/>
-            </a:schemeClr>
-          </a:solidFill>
-          <a:prstDash val="solid"/>
-          <a:miter lim="800000"/>
+        <a:gradFill rotWithShape="0">
+          <a:gsLst>
+            <a:gs pos="0">
+              <a:schemeClr val="accent1">
+                <a:hueOff val="0"/>
+                <a:satOff val="0"/>
+                <a:lumOff val="0"/>
+                <a:alphaOff val="0"/>
+                <a:lumMod val="110000"/>
+                <a:satMod val="105000"/>
+                <a:tint val="67000"/>
+              </a:schemeClr>
+            </a:gs>
+            <a:gs pos="50000">
+              <a:schemeClr val="accent1">
+                <a:hueOff val="0"/>
+                <a:satOff val="0"/>
+                <a:lumOff val="0"/>
+                <a:alphaOff val="0"/>
+                <a:lumMod val="105000"/>
+                <a:satMod val="103000"/>
+                <a:tint val="73000"/>
+              </a:schemeClr>
+            </a:gs>
+            <a:gs pos="100000">
+              <a:schemeClr val="accent1">
+                <a:hueOff val="0"/>
+                <a:satOff val="0"/>
+                <a:lumOff val="0"/>
+                <a:alphaOff val="0"/>
+                <a:lumMod val="105000"/>
+                <a:satMod val="109000"/>
+                <a:tint val="81000"/>
+              </a:schemeClr>
+            </a:gs>
+          </a:gsLst>
+          <a:lin ang="5400000" scaled="0"/>
+        </a:gradFill>
+        <a:ln>
+          <a:noFill/>
         </a:ln>
         <a:effectLst/>
+        <a:scene3d>
+          <a:camera prst="orthographicFront"/>
+          <a:lightRig rig="flat" dir="t"/>
+        </a:scene3d>
+        <a:sp3d prstMaterial="dkEdge">
+          <a:bevelT w="8200" h="38100"/>
+        </a:sp3d>
       </dsp:spPr>
       <dsp:style>
-        <a:lnRef idx="2">
+        <a:lnRef idx="0">
           <a:scrgbClr r="0" g="0" b="0"/>
         </a:lnRef>
-        <a:fillRef idx="1">
+        <a:fillRef idx="2">
           <a:scrgbClr r="0" g="0" b="0"/>
         </a:fillRef>
-        <a:effectRef idx="0">
+        <a:effectRef idx="1">
           <a:scrgbClr r="0" g="0" b="0"/>
         </a:effectRef>
         <a:fontRef idx="minor">
-          <a:schemeClr val="lt1"/>
+          <a:schemeClr val="dk1"/>
         </a:fontRef>
       </dsp:style>
       <dsp:txBody>
@@ -4592,15 +5276,47 @@
             <a:gd name="adj2" fmla="val 50000"/>
           </a:avLst>
         </a:prstGeom>
-        <a:solidFill>
-          <a:schemeClr val="accent1">
-            <a:tint val="60000"/>
-            <a:hueOff val="0"/>
-            <a:satOff val="0"/>
-            <a:lumOff val="0"/>
-            <a:alphaOff val="0"/>
-          </a:schemeClr>
-        </a:solidFill>
+        <a:gradFill rotWithShape="0">
+          <a:gsLst>
+            <a:gs pos="0">
+              <a:schemeClr val="accent1">
+                <a:tint val="60000"/>
+                <a:hueOff val="0"/>
+                <a:satOff val="0"/>
+                <a:lumOff val="0"/>
+                <a:alphaOff val="0"/>
+                <a:lumMod val="110000"/>
+                <a:satMod val="105000"/>
+                <a:tint val="67000"/>
+              </a:schemeClr>
+            </a:gs>
+            <a:gs pos="50000">
+              <a:schemeClr val="accent1">
+                <a:tint val="60000"/>
+                <a:hueOff val="0"/>
+                <a:satOff val="0"/>
+                <a:lumOff val="0"/>
+                <a:alphaOff val="0"/>
+                <a:lumMod val="105000"/>
+                <a:satMod val="103000"/>
+                <a:tint val="73000"/>
+              </a:schemeClr>
+            </a:gs>
+            <a:gs pos="100000">
+              <a:schemeClr val="accent1">
+                <a:tint val="60000"/>
+                <a:hueOff val="0"/>
+                <a:satOff val="0"/>
+                <a:lumOff val="0"/>
+                <a:alphaOff val="0"/>
+                <a:lumMod val="105000"/>
+                <a:satMod val="109000"/>
+                <a:tint val="81000"/>
+              </a:schemeClr>
+            </a:gs>
+          </a:gsLst>
+          <a:lin ang="5400000" scaled="0"/>
+        </a:gradFill>
         <a:ln>
           <a:noFill/>
         </a:ln>
@@ -4610,14 +5326,14 @@
         <a:lnRef idx="0">
           <a:scrgbClr r="0" g="0" b="0"/>
         </a:lnRef>
-        <a:fillRef idx="1">
+        <a:fillRef idx="2">
           <a:scrgbClr r="0" g="0" b="0"/>
         </a:fillRef>
-        <a:effectRef idx="0">
+        <a:effectRef idx="1">
           <a:scrgbClr r="0" g="0" b="0"/>
         </a:effectRef>
         <a:fontRef idx="minor">
-          <a:schemeClr val="lt1"/>
+          <a:schemeClr val="dk1"/>
         </a:fontRef>
       </dsp:style>
       <dsp:txBody>
@@ -4660,40 +5376,68 @@
             <a:gd name="adj" fmla="val 10000"/>
           </a:avLst>
         </a:prstGeom>
-        <a:solidFill>
-          <a:schemeClr val="accent1">
-            <a:hueOff val="0"/>
-            <a:satOff val="0"/>
-            <a:lumOff val="0"/>
-            <a:alphaOff val="0"/>
-          </a:schemeClr>
-        </a:solidFill>
-        <a:ln w="12700" cap="flat" cmpd="sng" algn="ctr">
-          <a:solidFill>
-            <a:schemeClr val="lt1">
-              <a:hueOff val="0"/>
-              <a:satOff val="0"/>
-              <a:lumOff val="0"/>
-              <a:alphaOff val="0"/>
-            </a:schemeClr>
-          </a:solidFill>
-          <a:prstDash val="solid"/>
-          <a:miter lim="800000"/>
+        <a:gradFill rotWithShape="0">
+          <a:gsLst>
+            <a:gs pos="0">
+              <a:schemeClr val="accent1">
+                <a:hueOff val="0"/>
+                <a:satOff val="0"/>
+                <a:lumOff val="0"/>
+                <a:alphaOff val="0"/>
+                <a:lumMod val="110000"/>
+                <a:satMod val="105000"/>
+                <a:tint val="67000"/>
+              </a:schemeClr>
+            </a:gs>
+            <a:gs pos="50000">
+              <a:schemeClr val="accent1">
+                <a:hueOff val="0"/>
+                <a:satOff val="0"/>
+                <a:lumOff val="0"/>
+                <a:alphaOff val="0"/>
+                <a:lumMod val="105000"/>
+                <a:satMod val="103000"/>
+                <a:tint val="73000"/>
+              </a:schemeClr>
+            </a:gs>
+            <a:gs pos="100000">
+              <a:schemeClr val="accent1">
+                <a:hueOff val="0"/>
+                <a:satOff val="0"/>
+                <a:lumOff val="0"/>
+                <a:alphaOff val="0"/>
+                <a:lumMod val="105000"/>
+                <a:satMod val="109000"/>
+                <a:tint val="81000"/>
+              </a:schemeClr>
+            </a:gs>
+          </a:gsLst>
+          <a:lin ang="5400000" scaled="0"/>
+        </a:gradFill>
+        <a:ln>
+          <a:noFill/>
         </a:ln>
         <a:effectLst/>
+        <a:scene3d>
+          <a:camera prst="orthographicFront"/>
+          <a:lightRig rig="flat" dir="t"/>
+        </a:scene3d>
+        <a:sp3d prstMaterial="dkEdge">
+          <a:bevelT w="8200" h="38100"/>
+        </a:sp3d>
       </dsp:spPr>
       <dsp:style>
-        <a:lnRef idx="2">
+        <a:lnRef idx="0">
           <a:scrgbClr r="0" g="0" b="0"/>
         </a:lnRef>
-        <a:fillRef idx="1">
+        <a:fillRef idx="2">
           <a:scrgbClr r="0" g="0" b="0"/>
         </a:fillRef>
-        <a:effectRef idx="0">
+        <a:effectRef idx="1">
           <a:scrgbClr r="0" g="0" b="0"/>
         </a:effectRef>
         <a:fontRef idx="minor">
-          <a:schemeClr val="lt1"/>
+          <a:schemeClr val="dk1"/>
         </a:fontRef>
       </dsp:style>
       <dsp:txBody>
@@ -4741,15 +5485,47 @@
             <a:gd name="adj2" fmla="val 50000"/>
           </a:avLst>
         </a:prstGeom>
-        <a:solidFill>
-          <a:schemeClr val="accent1">
-            <a:tint val="60000"/>
-            <a:hueOff val="0"/>
-            <a:satOff val="0"/>
-            <a:lumOff val="0"/>
-            <a:alphaOff val="0"/>
-          </a:schemeClr>
-        </a:solidFill>
+        <a:gradFill rotWithShape="0">
+          <a:gsLst>
+            <a:gs pos="0">
+              <a:schemeClr val="accent1">
+                <a:tint val="60000"/>
+                <a:hueOff val="0"/>
+                <a:satOff val="0"/>
+                <a:lumOff val="0"/>
+                <a:alphaOff val="0"/>
+                <a:lumMod val="110000"/>
+                <a:satMod val="105000"/>
+                <a:tint val="67000"/>
+              </a:schemeClr>
+            </a:gs>
+            <a:gs pos="50000">
+              <a:schemeClr val="accent1">
+                <a:tint val="60000"/>
+                <a:hueOff val="0"/>
+                <a:satOff val="0"/>
+                <a:lumOff val="0"/>
+                <a:alphaOff val="0"/>
+                <a:lumMod val="105000"/>
+                <a:satMod val="103000"/>
+                <a:tint val="73000"/>
+              </a:schemeClr>
+            </a:gs>
+            <a:gs pos="100000">
+              <a:schemeClr val="accent1">
+                <a:tint val="60000"/>
+                <a:hueOff val="0"/>
+                <a:satOff val="0"/>
+                <a:lumOff val="0"/>
+                <a:alphaOff val="0"/>
+                <a:lumMod val="105000"/>
+                <a:satMod val="109000"/>
+                <a:tint val="81000"/>
+              </a:schemeClr>
+            </a:gs>
+          </a:gsLst>
+          <a:lin ang="5400000" scaled="0"/>
+        </a:gradFill>
         <a:ln>
           <a:noFill/>
         </a:ln>
@@ -4759,14 +5535,14 @@
         <a:lnRef idx="0">
           <a:scrgbClr r="0" g="0" b="0"/>
         </a:lnRef>
-        <a:fillRef idx="1">
+        <a:fillRef idx="2">
           <a:scrgbClr r="0" g="0" b="0"/>
         </a:fillRef>
-        <a:effectRef idx="0">
+        <a:effectRef idx="1">
           <a:scrgbClr r="0" g="0" b="0"/>
         </a:effectRef>
         <a:fontRef idx="minor">
-          <a:schemeClr val="lt1"/>
+          <a:schemeClr val="dk1"/>
         </a:fontRef>
       </dsp:style>
       <dsp:txBody>
@@ -4809,40 +5585,68 @@
             <a:gd name="adj" fmla="val 10000"/>
           </a:avLst>
         </a:prstGeom>
-        <a:solidFill>
-          <a:schemeClr val="accent1">
-            <a:hueOff val="0"/>
-            <a:satOff val="0"/>
-            <a:lumOff val="0"/>
-            <a:alphaOff val="0"/>
-          </a:schemeClr>
-        </a:solidFill>
-        <a:ln w="12700" cap="flat" cmpd="sng" algn="ctr">
-          <a:solidFill>
-            <a:schemeClr val="lt1">
-              <a:hueOff val="0"/>
-              <a:satOff val="0"/>
-              <a:lumOff val="0"/>
-              <a:alphaOff val="0"/>
-            </a:schemeClr>
-          </a:solidFill>
-          <a:prstDash val="solid"/>
-          <a:miter lim="800000"/>
+        <a:gradFill rotWithShape="0">
+          <a:gsLst>
+            <a:gs pos="0">
+              <a:schemeClr val="accent1">
+                <a:hueOff val="0"/>
+                <a:satOff val="0"/>
+                <a:lumOff val="0"/>
+                <a:alphaOff val="0"/>
+                <a:lumMod val="110000"/>
+                <a:satMod val="105000"/>
+                <a:tint val="67000"/>
+              </a:schemeClr>
+            </a:gs>
+            <a:gs pos="50000">
+              <a:schemeClr val="accent1">
+                <a:hueOff val="0"/>
+                <a:satOff val="0"/>
+                <a:lumOff val="0"/>
+                <a:alphaOff val="0"/>
+                <a:lumMod val="105000"/>
+                <a:satMod val="103000"/>
+                <a:tint val="73000"/>
+              </a:schemeClr>
+            </a:gs>
+            <a:gs pos="100000">
+              <a:schemeClr val="accent1">
+                <a:hueOff val="0"/>
+                <a:satOff val="0"/>
+                <a:lumOff val="0"/>
+                <a:alphaOff val="0"/>
+                <a:lumMod val="105000"/>
+                <a:satMod val="109000"/>
+                <a:tint val="81000"/>
+              </a:schemeClr>
+            </a:gs>
+          </a:gsLst>
+          <a:lin ang="5400000" scaled="0"/>
+        </a:gradFill>
+        <a:ln>
+          <a:noFill/>
         </a:ln>
         <a:effectLst/>
+        <a:scene3d>
+          <a:camera prst="orthographicFront"/>
+          <a:lightRig rig="flat" dir="t"/>
+        </a:scene3d>
+        <a:sp3d prstMaterial="dkEdge">
+          <a:bevelT w="8200" h="38100"/>
+        </a:sp3d>
       </dsp:spPr>
       <dsp:style>
-        <a:lnRef idx="2">
+        <a:lnRef idx="0">
           <a:scrgbClr r="0" g="0" b="0"/>
         </a:lnRef>
-        <a:fillRef idx="1">
+        <a:fillRef idx="2">
           <a:scrgbClr r="0" g="0" b="0"/>
         </a:fillRef>
-        <a:effectRef idx="0">
+        <a:effectRef idx="1">
           <a:scrgbClr r="0" g="0" b="0"/>
         </a:effectRef>
         <a:fontRef idx="minor">
-          <a:schemeClr val="lt1"/>
+          <a:schemeClr val="dk1"/>
         </a:fontRef>
       </dsp:style>
       <dsp:txBody>
@@ -5317,11 +6121,11 @@
 </file>
 
 <file path=ppt/diagrams/quickStyle1.xml><?xml version="1.0" encoding="utf-8"?>
-<dgm:styleDef xmlns:dgm="http://schemas.openxmlformats.org/drawingml/2006/diagram" xmlns:a="http://schemas.openxmlformats.org/drawingml/2006/main" uniqueId="urn:microsoft.com/office/officeart/2005/8/quickstyle/simple1">
+<dgm:styleDef xmlns:dgm="http://schemas.openxmlformats.org/drawingml/2006/diagram" xmlns:a="http://schemas.openxmlformats.org/drawingml/2006/main" uniqueId="urn:microsoft.com/office/officeart/2005/8/quickstyle/simple3">
   <dgm:title val=""/>
   <dgm:desc val=""/>
   <dgm:catLst>
-    <dgm:cat type="simple" pri="10100"/>
+    <dgm:cat type="simple" pri="10300"/>
   </dgm:catLst>
   <dgm:scene3d>
     <a:camera prst="orthographicFront"/>
@@ -5330,59 +6134,65 @@
   <dgm:styleLbl name="node0">
     <dgm:scene3d>
       <a:camera prst="orthographicFront"/>
-      <a:lightRig rig="threePt" dir="t"/>
+      <a:lightRig rig="flat" dir="t"/>
     </dgm:scene3d>
-    <dgm:sp3d/>
+    <dgm:sp3d prstMaterial="dkEdge">
+      <a:bevelT w="8200" h="38100"/>
+    </dgm:sp3d>
     <dgm:txPr/>
     <dgm:style>
-      <a:lnRef idx="2">
+      <a:lnRef idx="0">
         <a:scrgbClr r="0" g="0" b="0"/>
       </a:lnRef>
-      <a:fillRef idx="1">
+      <a:fillRef idx="2">
         <a:scrgbClr r="0" g="0" b="0"/>
       </a:fillRef>
-      <a:effectRef idx="0">
+      <a:effectRef idx="1">
         <a:scrgbClr r="0" g="0" b="0"/>
       </a:effectRef>
       <a:fontRef idx="minor">
-        <a:schemeClr val="lt1"/>
+        <a:schemeClr val="dk1"/>
       </a:fontRef>
     </dgm:style>
   </dgm:styleLbl>
   <dgm:styleLbl name="lnNode1">
     <dgm:scene3d>
       <a:camera prst="orthographicFront"/>
-      <a:lightRig rig="threePt" dir="t"/>
+      <a:lightRig rig="flat" dir="t"/>
     </dgm:scene3d>
-    <dgm:sp3d/>
+    <dgm:sp3d prstMaterial="dkEdge">
+      <a:bevelT w="8200" h="38100"/>
+    </dgm:sp3d>
     <dgm:txPr/>
     <dgm:style>
-      <a:lnRef idx="2">
+      <a:lnRef idx="1">
         <a:scrgbClr r="0" g="0" b="0"/>
       </a:lnRef>
-      <a:fillRef idx="1">
+      <a:fillRef idx="2">
         <a:scrgbClr r="0" g="0" b="0"/>
       </a:fillRef>
       <a:effectRef idx="0">
         <a:scrgbClr r="0" g="0" b="0"/>
       </a:effectRef>
       <a:fontRef idx="minor">
-        <a:schemeClr val="lt1"/>
+        <a:schemeClr val="dk1"/>
       </a:fontRef>
     </dgm:style>
   </dgm:styleLbl>
   <dgm:styleLbl name="vennNode1">
     <dgm:scene3d>
       <a:camera prst="orthographicFront"/>
-      <a:lightRig rig="threePt" dir="t"/>
+      <a:lightRig rig="flat" dir="t"/>
     </dgm:scene3d>
-    <dgm:sp3d/>
+    <dgm:sp3d prstMaterial="dkEdge">
+      <a:bevelT w="8200" h="38100"/>
+    </dgm:sp3d>
     <dgm:txPr/>
     <dgm:style>
-      <a:lnRef idx="2">
+      <a:lnRef idx="0">
         <a:scrgbClr r="0" g="0" b="0"/>
       </a:lnRef>
-      <a:fillRef idx="1">
+      <a:fillRef idx="2">
         <a:scrgbClr r="0" g="0" b="0"/>
       </a:fillRef>
       <a:effectRef idx="0">
@@ -5401,105 +6211,113 @@
     <dgm:sp3d/>
     <dgm:txPr/>
     <dgm:style>
-      <a:lnRef idx="2">
+      <a:lnRef idx="1">
         <a:scrgbClr r="0" g="0" b="0"/>
       </a:lnRef>
-      <a:fillRef idx="1">
+      <a:fillRef idx="2">
         <a:scrgbClr r="0" g="0" b="0"/>
       </a:fillRef>
-      <a:effectRef idx="0">
+      <a:effectRef idx="1">
         <a:scrgbClr r="0" g="0" b="0"/>
       </a:effectRef>
       <a:fontRef idx="minor">
-        <a:schemeClr val="lt1"/>
+        <a:schemeClr val="dk1"/>
       </a:fontRef>
     </dgm:style>
   </dgm:styleLbl>
   <dgm:styleLbl name="node1">
     <dgm:scene3d>
       <a:camera prst="orthographicFront"/>
-      <a:lightRig rig="threePt" dir="t"/>
+      <a:lightRig rig="flat" dir="t"/>
     </dgm:scene3d>
-    <dgm:sp3d/>
+    <dgm:sp3d prstMaterial="dkEdge">
+      <a:bevelT w="8200" h="38100"/>
+    </dgm:sp3d>
     <dgm:txPr/>
     <dgm:style>
-      <a:lnRef idx="2">
+      <a:lnRef idx="0">
         <a:scrgbClr r="0" g="0" b="0"/>
       </a:lnRef>
-      <a:fillRef idx="1">
+      <a:fillRef idx="2">
         <a:scrgbClr r="0" g="0" b="0"/>
       </a:fillRef>
-      <a:effectRef idx="0">
+      <a:effectRef idx="1">
         <a:scrgbClr r="0" g="0" b="0"/>
       </a:effectRef>
       <a:fontRef idx="minor">
-        <a:schemeClr val="lt1"/>
+        <a:schemeClr val="dk1"/>
       </a:fontRef>
     </dgm:style>
   </dgm:styleLbl>
   <dgm:styleLbl name="node2">
     <dgm:scene3d>
       <a:camera prst="orthographicFront"/>
-      <a:lightRig rig="threePt" dir="t"/>
+      <a:lightRig rig="flat" dir="t"/>
     </dgm:scene3d>
-    <dgm:sp3d/>
+    <dgm:sp3d prstMaterial="dkEdge">
+      <a:bevelT w="8200" h="38100"/>
+    </dgm:sp3d>
     <dgm:txPr/>
     <dgm:style>
-      <a:lnRef idx="2">
+      <a:lnRef idx="0">
         <a:scrgbClr r="0" g="0" b="0"/>
       </a:lnRef>
-      <a:fillRef idx="1">
+      <a:fillRef idx="2">
         <a:scrgbClr r="0" g="0" b="0"/>
       </a:fillRef>
-      <a:effectRef idx="0">
+      <a:effectRef idx="1">
         <a:scrgbClr r="0" g="0" b="0"/>
       </a:effectRef>
       <a:fontRef idx="minor">
-        <a:schemeClr val="lt1"/>
+        <a:schemeClr val="dk1"/>
       </a:fontRef>
     </dgm:style>
   </dgm:styleLbl>
   <dgm:styleLbl name="node3">
     <dgm:scene3d>
       <a:camera prst="orthographicFront"/>
-      <a:lightRig rig="threePt" dir="t"/>
+      <a:lightRig rig="flat" dir="t"/>
     </dgm:scene3d>
-    <dgm:sp3d/>
+    <dgm:sp3d prstMaterial="dkEdge">
+      <a:bevelT w="8200" h="38100"/>
+    </dgm:sp3d>
     <dgm:txPr/>
     <dgm:style>
-      <a:lnRef idx="2">
+      <a:lnRef idx="0">
         <a:scrgbClr r="0" g="0" b="0"/>
       </a:lnRef>
-      <a:fillRef idx="1">
+      <a:fillRef idx="2">
         <a:scrgbClr r="0" g="0" b="0"/>
       </a:fillRef>
-      <a:effectRef idx="0">
+      <a:effectRef idx="1">
         <a:scrgbClr r="0" g="0" b="0"/>
       </a:effectRef>
       <a:fontRef idx="minor">
-        <a:schemeClr val="lt1"/>
+        <a:schemeClr val="dk1"/>
       </a:fontRef>
     </dgm:style>
   </dgm:styleLbl>
   <dgm:styleLbl name="node4">
     <dgm:scene3d>
       <a:camera prst="orthographicFront"/>
-      <a:lightRig rig="threePt" dir="t"/>
+      <a:lightRig rig="flat" dir="t"/>
     </dgm:scene3d>
-    <dgm:sp3d/>
+    <dgm:sp3d prstMaterial="dkEdge">
+      <a:bevelT w="8200" h="38100"/>
+    </dgm:sp3d>
     <dgm:txPr/>
     <dgm:style>
-      <a:lnRef idx="2">
+      <a:lnRef idx="0">
         <a:scrgbClr r="0" g="0" b="0"/>
       </a:lnRef>
-      <a:fillRef idx="1">
+      <a:fillRef idx="2">
         <a:scrgbClr r="0" g="0" b="0"/>
       </a:fillRef>
-      <a:effectRef idx="0">
+      <a:effectRef idx="1">
         <a:scrgbClr r="0" g="0" b="0"/>
       </a:effectRef>
       <a:fontRef idx="minor">
-        <a:schemeClr val="lt1"/>
+        <a:schemeClr val="dk1"/>
       </a:fontRef>
     </dgm:style>
   </dgm:styleLbl>
@@ -5511,13 +6329,13 @@
     <dgm:sp3d/>
     <dgm:txPr/>
     <dgm:style>
-      <a:lnRef idx="2">
+      <a:lnRef idx="1">
         <a:scrgbClr r="0" g="0" b="0"/>
       </a:lnRef>
       <a:fillRef idx="1">
         <a:scrgbClr r="0" g="0" b="0"/>
       </a:fillRef>
-      <a:effectRef idx="0">
+      <a:effectRef idx="1">
         <a:scrgbClr r="0" g="0" b="0"/>
       </a:effectRef>
       <a:fontRef idx="minor"/>
@@ -5531,13 +6349,13 @@
     <dgm:sp3d/>
     <dgm:txPr/>
     <dgm:style>
-      <a:lnRef idx="2">
+      <a:lnRef idx="1">
         <a:scrgbClr r="0" g="0" b="0"/>
       </a:lnRef>
       <a:fillRef idx="1">
         <a:scrgbClr r="0" g="0" b="0"/>
       </a:fillRef>
-      <a:effectRef idx="0">
+      <a:effectRef idx="1">
         <a:scrgbClr r="0" g="0" b="0"/>
       </a:effectRef>
       <a:fontRef idx="minor"/>
@@ -5551,13 +6369,13 @@
     <dgm:sp3d/>
     <dgm:txPr/>
     <dgm:style>
-      <a:lnRef idx="2">
+      <a:lnRef idx="1">
         <a:scrgbClr r="0" g="0" b="0"/>
       </a:lnRef>
       <a:fillRef idx="1">
         <a:scrgbClr r="0" g="0" b="0"/>
       </a:fillRef>
-      <a:effectRef idx="0">
+      <a:effectRef idx="1">
         <a:scrgbClr r="0" g="0" b="0"/>
       </a:effectRef>
       <a:fontRef idx="minor"/>
@@ -5574,14 +6392,14 @@
       <a:lnRef idx="0">
         <a:scrgbClr r="0" g="0" b="0"/>
       </a:lnRef>
-      <a:fillRef idx="1">
+      <a:fillRef idx="2">
         <a:scrgbClr r="0" g="0" b="0"/>
       </a:fillRef>
-      <a:effectRef idx="0">
+      <a:effectRef idx="1">
         <a:scrgbClr r="0" g="0" b="0"/>
       </a:effectRef>
       <a:fontRef idx="minor">
-        <a:schemeClr val="lt1"/>
+        <a:schemeClr val="dk1"/>
       </a:fontRef>
     </dgm:style>
   </dgm:styleLbl>
@@ -5596,14 +6414,14 @@
       <a:lnRef idx="0">
         <a:scrgbClr r="0" g="0" b="0"/>
       </a:lnRef>
-      <a:fillRef idx="1">
+      <a:fillRef idx="2">
         <a:scrgbClr r="0" g="0" b="0"/>
       </a:fillRef>
-      <a:effectRef idx="0">
+      <a:effectRef idx="1">
         <a:scrgbClr r="0" g="0" b="0"/>
       </a:effectRef>
       <a:fontRef idx="minor">
-        <a:schemeClr val="lt1"/>
+        <a:schemeClr val="dk1"/>
       </a:fontRef>
     </dgm:style>
   </dgm:styleLbl>
@@ -5618,14 +6436,14 @@
       <a:lnRef idx="0">
         <a:scrgbClr r="0" g="0" b="0"/>
       </a:lnRef>
-      <a:fillRef idx="1">
+      <a:fillRef idx="2">
         <a:scrgbClr r="0" g="0" b="0"/>
       </a:fillRef>
-      <a:effectRef idx="0">
+      <a:effectRef idx="1">
         <a:scrgbClr r="0" g="0" b="0"/>
       </a:effectRef>
       <a:fontRef idx="minor">
-        <a:schemeClr val="lt1"/>
+        <a:schemeClr val="dk1"/>
       </a:fontRef>
     </dgm:style>
   </dgm:styleLbl>
@@ -5657,13 +6475,13 @@
     <dgm:sp3d/>
     <dgm:txPr/>
     <dgm:style>
-      <a:lnRef idx="2">
+      <a:lnRef idx="1">
         <a:scrgbClr r="0" g="0" b="0"/>
       </a:lnRef>
-      <a:fillRef idx="1">
+      <a:fillRef idx="2">
         <a:scrgbClr r="0" g="0" b="0"/>
       </a:fillRef>
-      <a:effectRef idx="0">
+      <a:effectRef idx="1">
         <a:scrgbClr r="0" g="0" b="0"/>
       </a:effectRef>
       <a:fontRef idx="minor"/>
@@ -5672,110 +6490,120 @@
   <dgm:styleLbl name="asst0">
     <dgm:scene3d>
       <a:camera prst="orthographicFront"/>
-      <a:lightRig rig="threePt" dir="t"/>
+      <a:lightRig rig="flat" dir="t"/>
     </dgm:scene3d>
-    <dgm:sp3d/>
+    <dgm:sp3d prstMaterial="dkEdge">
+      <a:bevelT w="8200" h="38100"/>
+    </dgm:sp3d>
     <dgm:txPr/>
     <dgm:style>
-      <a:lnRef idx="2">
+      <a:lnRef idx="0">
         <a:scrgbClr r="0" g="0" b="0"/>
       </a:lnRef>
-      <a:fillRef idx="1">
+      <a:fillRef idx="2">
         <a:scrgbClr r="0" g="0" b="0"/>
       </a:fillRef>
-      <a:effectRef idx="0">
+      <a:effectRef idx="1">
         <a:scrgbClr r="0" g="0" b="0"/>
       </a:effectRef>
       <a:fontRef idx="minor">
-        <a:schemeClr val="lt1"/>
+        <a:schemeClr val="dk1"/>
       </a:fontRef>
     </dgm:style>
   </dgm:styleLbl>
   <dgm:styleLbl name="asst1">
     <dgm:scene3d>
       <a:camera prst="orthographicFront"/>
-      <a:lightRig rig="threePt" dir="t"/>
+      <a:lightRig rig="flat" dir="t"/>
     </dgm:scene3d>
-    <dgm:sp3d/>
+    <dgm:sp3d prstMaterial="dkEdge">
+      <a:bevelT w="8200" h="38100"/>
+    </dgm:sp3d>
     <dgm:txPr/>
     <dgm:style>
-      <a:lnRef idx="2">
+      <a:lnRef idx="0">
         <a:scrgbClr r="0" g="0" b="0"/>
       </a:lnRef>
-      <a:fillRef idx="1">
+      <a:fillRef idx="2">
         <a:scrgbClr r="0" g="0" b="0"/>
       </a:fillRef>
-      <a:effectRef idx="0">
+      <a:effectRef idx="1">
         <a:scrgbClr r="0" g="0" b="0"/>
       </a:effectRef>
       <a:fontRef idx="minor">
-        <a:schemeClr val="lt1"/>
+        <a:schemeClr val="dk1"/>
       </a:fontRef>
     </dgm:style>
   </dgm:styleLbl>
   <dgm:styleLbl name="asst2">
     <dgm:scene3d>
       <a:camera prst="orthographicFront"/>
-      <a:lightRig rig="threePt" dir="t"/>
+      <a:lightRig rig="flat" dir="t"/>
     </dgm:scene3d>
-    <dgm:sp3d/>
+    <dgm:sp3d prstMaterial="dkEdge">
+      <a:bevelT w="8200" h="38100"/>
+    </dgm:sp3d>
     <dgm:txPr/>
     <dgm:style>
-      <a:lnRef idx="2">
+      <a:lnRef idx="0">
         <a:scrgbClr r="0" g="0" b="0"/>
       </a:lnRef>
-      <a:fillRef idx="1">
+      <a:fillRef idx="2">
         <a:scrgbClr r="0" g="0" b="0"/>
       </a:fillRef>
-      <a:effectRef idx="0">
+      <a:effectRef idx="1">
         <a:scrgbClr r="0" g="0" b="0"/>
       </a:effectRef>
       <a:fontRef idx="minor">
-        <a:schemeClr val="lt1"/>
+        <a:schemeClr val="dk1"/>
       </a:fontRef>
     </dgm:style>
   </dgm:styleLbl>
   <dgm:styleLbl name="asst3">
     <dgm:scene3d>
       <a:camera prst="orthographicFront"/>
-      <a:lightRig rig="threePt" dir="t"/>
+      <a:lightRig rig="flat" dir="t"/>
     </dgm:scene3d>
-    <dgm:sp3d/>
+    <dgm:sp3d prstMaterial="dkEdge">
+      <a:bevelT w="8200" h="38100"/>
+    </dgm:sp3d>
     <dgm:txPr/>
     <dgm:style>
-      <a:lnRef idx="2">
+      <a:lnRef idx="0">
         <a:scrgbClr r="0" g="0" b="0"/>
       </a:lnRef>
-      <a:fillRef idx="1">
+      <a:fillRef idx="2">
         <a:scrgbClr r="0" g="0" b="0"/>
       </a:fillRef>
-      <a:effectRef idx="0">
+      <a:effectRef idx="1">
         <a:scrgbClr r="0" g="0" b="0"/>
       </a:effectRef>
       <a:fontRef idx="minor">
-        <a:schemeClr val="lt1"/>
+        <a:schemeClr val="dk1"/>
       </a:fontRef>
     </dgm:style>
   </dgm:styleLbl>
   <dgm:styleLbl name="asst4">
     <dgm:scene3d>
       <a:camera prst="orthographicFront"/>
-      <a:lightRig rig="threePt" dir="t"/>
+      <a:lightRig rig="flat" dir="t"/>
     </dgm:scene3d>
-    <dgm:sp3d/>
+    <dgm:sp3d prstMaterial="dkEdge">
+      <a:bevelT w="8200" h="38100"/>
+    </dgm:sp3d>
     <dgm:txPr/>
     <dgm:style>
-      <a:lnRef idx="2">
+      <a:lnRef idx="0">
         <a:scrgbClr r="0" g="0" b="0"/>
       </a:lnRef>
-      <a:fillRef idx="1">
+      <a:fillRef idx="2">
         <a:scrgbClr r="0" g="0" b="0"/>
       </a:fillRef>
-      <a:effectRef idx="0">
+      <a:effectRef idx="1">
         <a:scrgbClr r="0" g="0" b="0"/>
       </a:effectRef>
       <a:fontRef idx="minor">
-        <a:schemeClr val="lt1"/>
+        <a:schemeClr val="dk1"/>
       </a:fontRef>
     </dgm:style>
   </dgm:styleLbl>
@@ -5787,17 +6615,17 @@
     <dgm:sp3d/>
     <dgm:txPr/>
     <dgm:style>
-      <a:lnRef idx="2">
+      <a:lnRef idx="1">
         <a:scrgbClr r="0" g="0" b="0"/>
       </a:lnRef>
-      <a:fillRef idx="1">
+      <a:fillRef idx="2">
         <a:scrgbClr r="0" g="0" b="0"/>
       </a:fillRef>
-      <a:effectRef idx="0">
+      <a:effectRef idx="1">
         <a:scrgbClr r="0" g="0" b="0"/>
       </a:effectRef>
       <a:fontRef idx="minor">
-        <a:schemeClr val="lt1"/>
+        <a:schemeClr val="dk1"/>
       </a:fontRef>
     </dgm:style>
   </dgm:styleLbl>
@@ -5809,17 +6637,17 @@
     <dgm:sp3d/>
     <dgm:txPr/>
     <dgm:style>
-      <a:lnRef idx="2">
+      <a:lnRef idx="1">
         <a:scrgbClr r="0" g="0" b="0"/>
       </a:lnRef>
-      <a:fillRef idx="1">
+      <a:fillRef idx="2">
         <a:scrgbClr r="0" g="0" b="0"/>
       </a:fillRef>
-      <a:effectRef idx="0">
+      <a:effectRef idx="1">
         <a:scrgbClr r="0" g="0" b="0"/>
       </a:effectRef>
       <a:fontRef idx="minor">
-        <a:schemeClr val="lt1"/>
+        <a:schemeClr val="dk1"/>
       </a:fontRef>
     </dgm:style>
   </dgm:styleLbl>
@@ -5831,17 +6659,17 @@
     <dgm:sp3d/>
     <dgm:txPr/>
     <dgm:style>
-      <a:lnRef idx="2">
+      <a:lnRef idx="1">
         <a:scrgbClr r="0" g="0" b="0"/>
       </a:lnRef>
-      <a:fillRef idx="1">
+      <a:fillRef idx="2">
         <a:scrgbClr r="0" g="0" b="0"/>
       </a:fillRef>
-      <a:effectRef idx="0">
+      <a:effectRef idx="1">
         <a:scrgbClr r="0" g="0" b="0"/>
       </a:effectRef>
       <a:fontRef idx="minor">
-        <a:schemeClr val="lt1"/>
+        <a:schemeClr val="dk1"/>
       </a:fontRef>
     </dgm:style>
   </dgm:styleLbl>
@@ -5853,17 +6681,17 @@
     <dgm:sp3d/>
     <dgm:txPr/>
     <dgm:style>
-      <a:lnRef idx="2">
+      <a:lnRef idx="1">
         <a:scrgbClr r="0" g="0" b="0"/>
       </a:lnRef>
-      <a:fillRef idx="1">
+      <a:fillRef idx="2">
         <a:scrgbClr r="0" g="0" b="0"/>
       </a:fillRef>
-      <a:effectRef idx="0">
+      <a:effectRef idx="1">
         <a:scrgbClr r="0" g="0" b="0"/>
       </a:effectRef>
       <a:fontRef idx="minor">
-        <a:schemeClr val="lt1"/>
+        <a:schemeClr val="dk1"/>
       </a:fontRef>
     </dgm:style>
   </dgm:styleLbl>
@@ -5955,7 +6783,7 @@
     <dgm:sp3d/>
     <dgm:txPr/>
     <dgm:style>
-      <a:lnRef idx="2">
+      <a:lnRef idx="1">
         <a:scrgbClr r="0" g="0" b="0"/>
       </a:lnRef>
       <a:fillRef idx="1">
@@ -5975,7 +6803,7 @@
     <dgm:sp3d/>
     <dgm:txPr/>
     <dgm:style>
-      <a:lnRef idx="2">
+      <a:lnRef idx="1">
         <a:scrgbClr r="0" g="0" b="0"/>
       </a:lnRef>
       <a:fillRef idx="1">
@@ -5995,7 +6823,7 @@
     <dgm:sp3d/>
     <dgm:txPr/>
     <dgm:style>
-      <a:lnRef idx="2">
+      <a:lnRef idx="1">
         <a:scrgbClr r="0" g="0" b="0"/>
       </a:lnRef>
       <a:fillRef idx="1">
@@ -6035,7 +6863,7 @@
     <dgm:sp3d/>
     <dgm:txPr/>
     <dgm:style>
-      <a:lnRef idx="2">
+      <a:lnRef idx="1">
         <a:scrgbClr r="0" g="0" b="0"/>
       </a:lnRef>
       <a:fillRef idx="1">
@@ -6055,10 +6883,10 @@
     <dgm:sp3d/>
     <dgm:txPr/>
     <dgm:style>
-      <a:lnRef idx="2">
+      <a:lnRef idx="1">
         <a:scrgbClr r="0" g="0" b="0"/>
       </a:lnRef>
-      <a:fillRef idx="1">
+      <a:fillRef idx="2">
         <a:scrgbClr r="0" g="0" b="0"/>
       </a:fillRef>
       <a:effectRef idx="0">
@@ -6075,7 +6903,7 @@
     <dgm:sp3d/>
     <dgm:txPr/>
     <dgm:style>
-      <a:lnRef idx="2">
+      <a:lnRef idx="1">
         <a:scrgbClr r="0" g="0" b="0"/>
       </a:lnRef>
       <a:fillRef idx="1">
@@ -6095,7 +6923,7 @@
     <dgm:sp3d/>
     <dgm:txPr/>
     <dgm:style>
-      <a:lnRef idx="2">
+      <a:lnRef idx="1">
         <a:scrgbClr r="0" g="0" b="0"/>
       </a:lnRef>
       <a:fillRef idx="1">
@@ -6115,7 +6943,7 @@
     <dgm:sp3d/>
     <dgm:txPr/>
     <dgm:style>
-      <a:lnRef idx="2">
+      <a:lnRef idx="1">
         <a:scrgbClr r="0" g="0" b="0"/>
       </a:lnRef>
       <a:fillRef idx="1">
@@ -6135,7 +6963,7 @@
     <dgm:sp3d/>
     <dgm:txPr/>
     <dgm:style>
-      <a:lnRef idx="2">
+      <a:lnRef idx="1">
         <a:scrgbClr r="0" g="0" b="0"/>
       </a:lnRef>
       <a:fillRef idx="1">
@@ -6155,7 +6983,7 @@
     <dgm:sp3d/>
     <dgm:txPr/>
     <dgm:style>
-      <a:lnRef idx="2">
+      <a:lnRef idx="1">
         <a:scrgbClr r="0" g="0" b="0"/>
       </a:lnRef>
       <a:fillRef idx="1">
@@ -6175,7 +7003,7 @@
     <dgm:sp3d/>
     <dgm:txPr/>
     <dgm:style>
-      <a:lnRef idx="2">
+      <a:lnRef idx="1">
         <a:scrgbClr r="0" g="0" b="0"/>
       </a:lnRef>
       <a:fillRef idx="1">
@@ -6195,7 +7023,7 @@
     <dgm:sp3d/>
     <dgm:txPr/>
     <dgm:style>
-      <a:lnRef idx="2">
+      <a:lnRef idx="1">
         <a:scrgbClr r="0" g="0" b="0"/>
       </a:lnRef>
       <a:fillRef idx="1">
@@ -6215,7 +7043,7 @@
     <dgm:sp3d/>
     <dgm:txPr/>
     <dgm:style>
-      <a:lnRef idx="2">
+      <a:lnRef idx="1">
         <a:scrgbClr r="0" g="0" b="0"/>
       </a:lnRef>
       <a:fillRef idx="1">
@@ -6235,7 +7063,7 @@
     <dgm:sp3d/>
     <dgm:txPr/>
     <dgm:style>
-      <a:lnRef idx="2">
+      <a:lnRef idx="1">
         <a:scrgbClr r="0" g="0" b="0"/>
       </a:lnRef>
       <a:fillRef idx="1">
@@ -6261,7 +7089,7 @@
       <a:fillRef idx="1">
         <a:scrgbClr r="0" g="0" b="0"/>
       </a:fillRef>
-      <a:effectRef idx="0">
+      <a:effectRef idx="1">
         <a:scrgbClr r="0" g="0" b="0"/>
       </a:effectRef>
       <a:fontRef idx="minor"/>
@@ -6281,7 +7109,7 @@
       <a:fillRef idx="1">
         <a:scrgbClr r="0" g="0" b="0"/>
       </a:fillRef>
-      <a:effectRef idx="0">
+      <a:effectRef idx="1">
         <a:scrgbClr r="0" g="0" b="0"/>
       </a:effectRef>
       <a:fontRef idx="minor"/>
@@ -6310,18 +7138,20 @@
   <dgm:styleLbl name="fgShp">
     <dgm:scene3d>
       <a:camera prst="orthographicFront"/>
-      <a:lightRig rig="threePt" dir="t"/>
+      <a:lightRig rig="flat" dir="t"/>
     </dgm:scene3d>
-    <dgm:sp3d/>
+    <dgm:sp3d prstMaterial="dkEdge">
+      <a:bevelT w="8200" h="38100"/>
+    </dgm:sp3d>
     <dgm:txPr/>
     <dgm:style>
-      <a:lnRef idx="2">
+      <a:lnRef idx="1">
         <a:scrgbClr r="0" g="0" b="0"/>
       </a:lnRef>
-      <a:fillRef idx="1">
+      <a:fillRef idx="2">
         <a:scrgbClr r="0" g="0" b="0"/>
       </a:fillRef>
-      <a:effectRef idx="0">
+      <a:effectRef idx="1">
         <a:scrgbClr r="0" g="0" b="0"/>
       </a:effectRef>
       <a:fontRef idx="minor"/>
@@ -6351,11 +7181,11 @@
 </file>
 
 <file path=ppt/diagrams/quickStyle2.xml><?xml version="1.0" encoding="utf-8"?>
-<dgm:styleDef xmlns:dgm="http://schemas.openxmlformats.org/drawingml/2006/diagram" xmlns:a="http://schemas.openxmlformats.org/drawingml/2006/main" uniqueId="urn:microsoft.com/office/officeart/2005/8/quickstyle/simple1">
+<dgm:styleDef xmlns:dgm="http://schemas.openxmlformats.org/drawingml/2006/diagram" xmlns:a="http://schemas.openxmlformats.org/drawingml/2006/main" uniqueId="urn:microsoft.com/office/officeart/2005/8/quickstyle/simple3">
   <dgm:title val=""/>
   <dgm:desc val=""/>
   <dgm:catLst>
-    <dgm:cat type="simple" pri="10100"/>
+    <dgm:cat type="simple" pri="10300"/>
   </dgm:catLst>
   <dgm:scene3d>
     <a:camera prst="orthographicFront"/>
@@ -6364,59 +7194,65 @@
   <dgm:styleLbl name="node0">
     <dgm:scene3d>
       <a:camera prst="orthographicFront"/>
-      <a:lightRig rig="threePt" dir="t"/>
+      <a:lightRig rig="flat" dir="t"/>
     </dgm:scene3d>
-    <dgm:sp3d/>
+    <dgm:sp3d prstMaterial="dkEdge">
+      <a:bevelT w="8200" h="38100"/>
+    </dgm:sp3d>
     <dgm:txPr/>
     <dgm:style>
-      <a:lnRef idx="2">
+      <a:lnRef idx="0">
         <a:scrgbClr r="0" g="0" b="0"/>
       </a:lnRef>
-      <a:fillRef idx="1">
+      <a:fillRef idx="2">
         <a:scrgbClr r="0" g="0" b="0"/>
       </a:fillRef>
-      <a:effectRef idx="0">
+      <a:effectRef idx="1">
         <a:scrgbClr r="0" g="0" b="0"/>
       </a:effectRef>
       <a:fontRef idx="minor">
-        <a:schemeClr val="lt1"/>
+        <a:schemeClr val="dk1"/>
       </a:fontRef>
     </dgm:style>
   </dgm:styleLbl>
   <dgm:styleLbl name="lnNode1">
     <dgm:scene3d>
       <a:camera prst="orthographicFront"/>
-      <a:lightRig rig="threePt" dir="t"/>
+      <a:lightRig rig="flat" dir="t"/>
     </dgm:scene3d>
-    <dgm:sp3d/>
+    <dgm:sp3d prstMaterial="dkEdge">
+      <a:bevelT w="8200" h="38100"/>
+    </dgm:sp3d>
     <dgm:txPr/>
     <dgm:style>
-      <a:lnRef idx="2">
+      <a:lnRef idx="1">
         <a:scrgbClr r="0" g="0" b="0"/>
       </a:lnRef>
-      <a:fillRef idx="1">
+      <a:fillRef idx="2">
         <a:scrgbClr r="0" g="0" b="0"/>
       </a:fillRef>
       <a:effectRef idx="0">
         <a:scrgbClr r="0" g="0" b="0"/>
       </a:effectRef>
       <a:fontRef idx="minor">
-        <a:schemeClr val="lt1"/>
+        <a:schemeClr val="dk1"/>
       </a:fontRef>
     </dgm:style>
   </dgm:styleLbl>
   <dgm:styleLbl name="vennNode1">
     <dgm:scene3d>
       <a:camera prst="orthographicFront"/>
-      <a:lightRig rig="threePt" dir="t"/>
+      <a:lightRig rig="flat" dir="t"/>
     </dgm:scene3d>
-    <dgm:sp3d/>
+    <dgm:sp3d prstMaterial="dkEdge">
+      <a:bevelT w="8200" h="38100"/>
+    </dgm:sp3d>
     <dgm:txPr/>
     <dgm:style>
-      <a:lnRef idx="2">
+      <a:lnRef idx="0">
         <a:scrgbClr r="0" g="0" b="0"/>
       </a:lnRef>
-      <a:fillRef idx="1">
+      <a:fillRef idx="2">
         <a:scrgbClr r="0" g="0" b="0"/>
       </a:fillRef>
       <a:effectRef idx="0">
@@ -6435,105 +7271,113 @@
     <dgm:sp3d/>
     <dgm:txPr/>
     <dgm:style>
-      <a:lnRef idx="2">
+      <a:lnRef idx="1">
         <a:scrgbClr r="0" g="0" b="0"/>
       </a:lnRef>
-      <a:fillRef idx="1">
+      <a:fillRef idx="2">
         <a:scrgbClr r="0" g="0" b="0"/>
       </a:fillRef>
-      <a:effectRef idx="0">
+      <a:effectRef idx="1">
         <a:scrgbClr r="0" g="0" b="0"/>
       </a:effectRef>
       <a:fontRef idx="minor">
-        <a:schemeClr val="lt1"/>
+        <a:schemeClr val="dk1"/>
       </a:fontRef>
     </dgm:style>
   </dgm:styleLbl>
   <dgm:styleLbl name="node1">
     <dgm:scene3d>
       <a:camera prst="orthographicFront"/>
-      <a:lightRig rig="threePt" dir="t"/>
+      <a:lightRig rig="flat" dir="t"/>
     </dgm:scene3d>
-    <dgm:sp3d/>
+    <dgm:sp3d prstMaterial="dkEdge">
+      <a:bevelT w="8200" h="38100"/>
+    </dgm:sp3d>
     <dgm:txPr/>
     <dgm:style>
-      <a:lnRef idx="2">
+      <a:lnRef idx="0">
         <a:scrgbClr r="0" g="0" b="0"/>
       </a:lnRef>
-      <a:fillRef idx="1">
+      <a:fillRef idx="2">
         <a:scrgbClr r="0" g="0" b="0"/>
       </a:fillRef>
-      <a:effectRef idx="0">
+      <a:effectRef idx="1">
         <a:scrgbClr r="0" g="0" b="0"/>
       </a:effectRef>
       <a:fontRef idx="minor">
-        <a:schemeClr val="lt1"/>
+        <a:schemeClr val="dk1"/>
       </a:fontRef>
     </dgm:style>
   </dgm:styleLbl>
   <dgm:styleLbl name="node2">
     <dgm:scene3d>
       <a:camera prst="orthographicFront"/>
-      <a:lightRig rig="threePt" dir="t"/>
+      <a:lightRig rig="flat" dir="t"/>
     </dgm:scene3d>
-    <dgm:sp3d/>
+    <dgm:sp3d prstMaterial="dkEdge">
+      <a:bevelT w="8200" h="38100"/>
+    </dgm:sp3d>
     <dgm:txPr/>
     <dgm:style>
-      <a:lnRef idx="2">
+      <a:lnRef idx="0">
         <a:scrgbClr r="0" g="0" b="0"/>
       </a:lnRef>
-      <a:fillRef idx="1">
+      <a:fillRef idx="2">
         <a:scrgbClr r="0" g="0" b="0"/>
       </a:fillRef>
-      <a:effectRef idx="0">
+      <a:effectRef idx="1">
         <a:scrgbClr r="0" g="0" b="0"/>
       </a:effectRef>
       <a:fontRef idx="minor">
-        <a:schemeClr val="lt1"/>
+        <a:schemeClr val="dk1"/>
       </a:fontRef>
     </dgm:style>
   </dgm:styleLbl>
   <dgm:styleLbl name="node3">
     <dgm:scene3d>
       <a:camera prst="orthographicFront"/>
-      <a:lightRig rig="threePt" dir="t"/>
+      <a:lightRig rig="flat" dir="t"/>
     </dgm:scene3d>
-    <dgm:sp3d/>
+    <dgm:sp3d prstMaterial="dkEdge">
+      <a:bevelT w="8200" h="38100"/>
+    </dgm:sp3d>
     <dgm:txPr/>
     <dgm:style>
-      <a:lnRef idx="2">
+      <a:lnRef idx="0">
         <a:scrgbClr r="0" g="0" b="0"/>
       </a:lnRef>
-      <a:fillRef idx="1">
+      <a:fillRef idx="2">
         <a:scrgbClr r="0" g="0" b="0"/>
       </a:fillRef>
-      <a:effectRef idx="0">
+      <a:effectRef idx="1">
         <a:scrgbClr r="0" g="0" b="0"/>
       </a:effectRef>
       <a:fontRef idx="minor">
-        <a:schemeClr val="lt1"/>
+        <a:schemeClr val="dk1"/>
       </a:fontRef>
     </dgm:style>
   </dgm:styleLbl>
   <dgm:styleLbl name="node4">
     <dgm:scene3d>
       <a:camera prst="orthographicFront"/>
-      <a:lightRig rig="threePt" dir="t"/>
+      <a:lightRig rig="flat" dir="t"/>
     </dgm:scene3d>
-    <dgm:sp3d/>
+    <dgm:sp3d prstMaterial="dkEdge">
+      <a:bevelT w="8200" h="38100"/>
+    </dgm:sp3d>
     <dgm:txPr/>
     <dgm:style>
-      <a:lnRef idx="2">
+      <a:lnRef idx="0">
         <a:scrgbClr r="0" g="0" b="0"/>
       </a:lnRef>
-      <a:fillRef idx="1">
+      <a:fillRef idx="2">
         <a:scrgbClr r="0" g="0" b="0"/>
       </a:fillRef>
-      <a:effectRef idx="0">
+      <a:effectRef idx="1">
         <a:scrgbClr r="0" g="0" b="0"/>
       </a:effectRef>
       <a:fontRef idx="minor">
-        <a:schemeClr val="lt1"/>
+        <a:schemeClr val="dk1"/>
       </a:fontRef>
     </dgm:style>
   </dgm:styleLbl>
@@ -6545,13 +7389,13 @@
     <dgm:sp3d/>
     <dgm:txPr/>
     <dgm:style>
-      <a:lnRef idx="2">
+      <a:lnRef idx="1">
         <a:scrgbClr r="0" g="0" b="0"/>
       </a:lnRef>
       <a:fillRef idx="1">
         <a:scrgbClr r="0" g="0" b="0"/>
       </a:fillRef>
-      <a:effectRef idx="0">
+      <a:effectRef idx="1">
         <a:scrgbClr r="0" g="0" b="0"/>
       </a:effectRef>
       <a:fontRef idx="minor"/>
@@ -6565,13 +7409,13 @@
     <dgm:sp3d/>
     <dgm:txPr/>
     <dgm:style>
-      <a:lnRef idx="2">
+      <a:lnRef idx="1">
         <a:scrgbClr r="0" g="0" b="0"/>
       </a:lnRef>
       <a:fillRef idx="1">
         <a:scrgbClr r="0" g="0" b="0"/>
       </a:fillRef>
-      <a:effectRef idx="0">
+      <a:effectRef idx="1">
         <a:scrgbClr r="0" g="0" b="0"/>
       </a:effectRef>
       <a:fontRef idx="minor"/>
@@ -6585,13 +7429,13 @@
     <dgm:sp3d/>
     <dgm:txPr/>
     <dgm:style>
-      <a:lnRef idx="2">
+      <a:lnRef idx="1">
         <a:scrgbClr r="0" g="0" b="0"/>
       </a:lnRef>
       <a:fillRef idx="1">
         <a:scrgbClr r="0" g="0" b="0"/>
       </a:fillRef>
-      <a:effectRef idx="0">
+      <a:effectRef idx="1">
         <a:scrgbClr r="0" g="0" b="0"/>
       </a:effectRef>
       <a:fontRef idx="minor"/>
@@ -6608,14 +7452,14 @@
       <a:lnRef idx="0">
         <a:scrgbClr r="0" g="0" b="0"/>
       </a:lnRef>
-      <a:fillRef idx="1">
+      <a:fillRef idx="2">
         <a:scrgbClr r="0" g="0" b="0"/>
       </a:fillRef>
-      <a:effectRef idx="0">
+      <a:effectRef idx="1">
         <a:scrgbClr r="0" g="0" b="0"/>
       </a:effectRef>
       <a:fontRef idx="minor">
-        <a:schemeClr val="lt1"/>
+        <a:schemeClr val="dk1"/>
       </a:fontRef>
     </dgm:style>
   </dgm:styleLbl>
@@ -6630,14 +7474,14 @@
       <a:lnRef idx="0">
         <a:scrgbClr r="0" g="0" b="0"/>
       </a:lnRef>
-      <a:fillRef idx="1">
+      <a:fillRef idx="2">
         <a:scrgbClr r="0" g="0" b="0"/>
       </a:fillRef>
-      <a:effectRef idx="0">
+      <a:effectRef idx="1">
         <a:scrgbClr r="0" g="0" b="0"/>
       </a:effectRef>
       <a:fontRef idx="minor">
-        <a:schemeClr val="lt1"/>
+        <a:schemeClr val="dk1"/>
       </a:fontRef>
     </dgm:style>
   </dgm:styleLbl>
@@ -6652,14 +7496,14 @@
       <a:lnRef idx="0">
         <a:scrgbClr r="0" g="0" b="0"/>
       </a:lnRef>
-      <a:fillRef idx="1">
+      <a:fillRef idx="2">
         <a:scrgbClr r="0" g="0" b="0"/>
       </a:fillRef>
-      <a:effectRef idx="0">
+      <a:effectRef idx="1">
         <a:scrgbClr r="0" g="0" b="0"/>
       </a:effectRef>
       <a:fontRef idx="minor">
-        <a:schemeClr val="lt1"/>
+        <a:schemeClr val="dk1"/>
       </a:fontRef>
     </dgm:style>
   </dgm:styleLbl>
@@ -6691,13 +7535,13 @@
     <dgm:sp3d/>
     <dgm:txPr/>
     <dgm:style>
-      <a:lnRef idx="2">
+      <a:lnRef idx="1">
         <a:scrgbClr r="0" g="0" b="0"/>
       </a:lnRef>
-      <a:fillRef idx="1">
+      <a:fillRef idx="2">
         <a:scrgbClr r="0" g="0" b="0"/>
       </a:fillRef>
-      <a:effectRef idx="0">
+      <a:effectRef idx="1">
         <a:scrgbClr r="0" g="0" b="0"/>
       </a:effectRef>
       <a:fontRef idx="minor"/>
@@ -6706,110 +7550,120 @@
   <dgm:styleLbl name="asst0">
     <dgm:scene3d>
       <a:camera prst="orthographicFront"/>
-      <a:lightRig rig="threePt" dir="t"/>
+      <a:lightRig rig="flat" dir="t"/>
     </dgm:scene3d>
-    <dgm:sp3d/>
+    <dgm:sp3d prstMaterial="dkEdge">
+      <a:bevelT w="8200" h="38100"/>
+    </dgm:sp3d>
     <dgm:txPr/>
     <dgm:style>
-      <a:lnRef idx="2">
+      <a:lnRef idx="0">
         <a:scrgbClr r="0" g="0" b="0"/>
       </a:lnRef>
-      <a:fillRef idx="1">
+      <a:fillRef idx="2">
         <a:scrgbClr r="0" g="0" b="0"/>
       </a:fillRef>
-      <a:effectRef idx="0">
+      <a:effectRef idx="1">
         <a:scrgbClr r="0" g="0" b="0"/>
       </a:effectRef>
       <a:fontRef idx="minor">
-        <a:schemeClr val="lt1"/>
+        <a:schemeClr val="dk1"/>
       </a:fontRef>
     </dgm:style>
   </dgm:styleLbl>
   <dgm:styleLbl name="asst1">
     <dgm:scene3d>
       <a:camera prst="orthographicFront"/>
-      <a:lightRig rig="threePt" dir="t"/>
+      <a:lightRig rig="flat" dir="t"/>
     </dgm:scene3d>
-    <dgm:sp3d/>
+    <dgm:sp3d prstMaterial="dkEdge">
+      <a:bevelT w="8200" h="38100"/>
+    </dgm:sp3d>
     <dgm:txPr/>
     <dgm:style>
-      <a:lnRef idx="2">
+      <a:lnRef idx="0">
         <a:scrgbClr r="0" g="0" b="0"/>
       </a:lnRef>
-      <a:fillRef idx="1">
+      <a:fillRef idx="2">
         <a:scrgbClr r="0" g="0" b="0"/>
       </a:fillRef>
-      <a:effectRef idx="0">
+      <a:effectRef idx="1">
         <a:scrgbClr r="0" g="0" b="0"/>
       </a:effectRef>
       <a:fontRef idx="minor">
-        <a:schemeClr val="lt1"/>
+        <a:schemeClr val="dk1"/>
       </a:fontRef>
     </dgm:style>
   </dgm:styleLbl>
   <dgm:styleLbl name="asst2">
     <dgm:scene3d>
       <a:camera prst="orthographicFront"/>
-      <a:lightRig rig="threePt" dir="t"/>
+      <a:lightRig rig="flat" dir="t"/>
     </dgm:scene3d>
-    <dgm:sp3d/>
+    <dgm:sp3d prstMaterial="dkEdge">
+      <a:bevelT w="8200" h="38100"/>
+    </dgm:sp3d>
     <dgm:txPr/>
     <dgm:style>
-      <a:lnRef idx="2">
+      <a:lnRef idx="0">
         <a:scrgbClr r="0" g="0" b="0"/>
       </a:lnRef>
-      <a:fillRef idx="1">
+      <a:fillRef idx="2">
         <a:scrgbClr r="0" g="0" b="0"/>
       </a:fillRef>
-      <a:effectRef idx="0">
+      <a:effectRef idx="1">
         <a:scrgbClr r="0" g="0" b="0"/>
       </a:effectRef>
       <a:fontRef idx="minor">
-        <a:schemeClr val="lt1"/>
+        <a:schemeClr val="dk1"/>
       </a:fontRef>
     </dgm:style>
   </dgm:styleLbl>
   <dgm:styleLbl name="asst3">
     <dgm:scene3d>
       <a:camera prst="orthographicFront"/>
-      <a:lightRig rig="threePt" dir="t"/>
+      <a:lightRig rig="flat" dir="t"/>
     </dgm:scene3d>
-    <dgm:sp3d/>
+    <dgm:sp3d prstMaterial="dkEdge">
+      <a:bevelT w="8200" h="38100"/>
+    </dgm:sp3d>
     <dgm:txPr/>
     <dgm:style>
-      <a:lnRef idx="2">
+      <a:lnRef idx="0">
         <a:scrgbClr r="0" g="0" b="0"/>
       </a:lnRef>
-      <a:fillRef idx="1">
+      <a:fillRef idx="2">
         <a:scrgbClr r="0" g="0" b="0"/>
       </a:fillRef>
-      <a:effectRef idx="0">
+      <a:effectRef idx="1">
         <a:scrgbClr r="0" g="0" b="0"/>
       </a:effectRef>
       <a:fontRef idx="minor">
-        <a:schemeClr val="lt1"/>
+        <a:schemeClr val="dk1"/>
       </a:fontRef>
     </dgm:style>
   </dgm:styleLbl>
   <dgm:styleLbl name="asst4">
     <dgm:scene3d>
       <a:camera prst="orthographicFront"/>
-      <a:lightRig rig="threePt" dir="t"/>
+      <a:lightRig rig="flat" dir="t"/>
     </dgm:scene3d>
-    <dgm:sp3d/>
+    <dgm:sp3d prstMaterial="dkEdge">
+      <a:bevelT w="8200" h="38100"/>
+    </dgm:sp3d>
     <dgm:txPr/>
     <dgm:style>
-      <a:lnRef idx="2">
+      <a:lnRef idx="0">
         <a:scrgbClr r="0" g="0" b="0"/>
       </a:lnRef>
-      <a:fillRef idx="1">
+      <a:fillRef idx="2">
         <a:scrgbClr r="0" g="0" b="0"/>
       </a:fillRef>
-      <a:effectRef idx="0">
+      <a:effectRef idx="1">
         <a:scrgbClr r="0" g="0" b="0"/>
       </a:effectRef>
       <a:fontRef idx="minor">
-        <a:schemeClr val="lt1"/>
+        <a:schemeClr val="dk1"/>
       </a:fontRef>
     </dgm:style>
   </dgm:styleLbl>
@@ -6821,17 +7675,17 @@
     <dgm:sp3d/>
     <dgm:txPr/>
     <dgm:style>
-      <a:lnRef idx="2">
+      <a:lnRef idx="1">
         <a:scrgbClr r="0" g="0" b="0"/>
       </a:lnRef>
-      <a:fillRef idx="1">
+      <a:fillRef idx="2">
         <a:scrgbClr r="0" g="0" b="0"/>
       </a:fillRef>
-      <a:effectRef idx="0">
+      <a:effectRef idx="1">
         <a:scrgbClr r="0" g="0" b="0"/>
       </a:effectRef>
       <a:fontRef idx="minor">
-        <a:schemeClr val="lt1"/>
+        <a:schemeClr val="dk1"/>
       </a:fontRef>
     </dgm:style>
   </dgm:styleLbl>
@@ -6843,17 +7697,17 @@
     <dgm:sp3d/>
     <dgm:txPr/>
     <dgm:style>
-      <a:lnRef idx="2">
+      <a:lnRef idx="1">
         <a:scrgbClr r="0" g="0" b="0"/>
       </a:lnRef>
-      <a:fillRef idx="1">
+      <a:fillRef idx="2">
         <a:scrgbClr r="0" g="0" b="0"/>
       </a:fillRef>
-      <a:effectRef idx="0">
+      <a:effectRef idx="1">
         <a:scrgbClr r="0" g="0" b="0"/>
       </a:effectRef>
       <a:fontRef idx="minor">
-        <a:schemeClr val="lt1"/>
+        <a:schemeClr val="dk1"/>
       </a:fontRef>
     </dgm:style>
   </dgm:styleLbl>
@@ -6865,17 +7719,17 @@
     <dgm:sp3d/>
     <dgm:txPr/>
     <dgm:style>
-      <a:lnRef idx="2">
+      <a:lnRef idx="1">
         <a:scrgbClr r="0" g="0" b="0"/>
       </a:lnRef>
-      <a:fillRef idx="1">
+      <a:fillRef idx="2">
         <a:scrgbClr r="0" g="0" b="0"/>
       </a:fillRef>
-      <a:effectRef idx="0">
+      <a:effectRef idx="1">
         <a:scrgbClr r="0" g="0" b="0"/>
       </a:effectRef>
       <a:fontRef idx="minor">
-        <a:schemeClr val="lt1"/>
+        <a:schemeClr val="dk1"/>
       </a:fontRef>
     </dgm:style>
   </dgm:styleLbl>
@@ -6887,17 +7741,17 @@
     <dgm:sp3d/>
     <dgm:txPr/>
     <dgm:style>
-      <a:lnRef idx="2">
+      <a:lnRef idx="1">
         <a:scrgbClr r="0" g="0" b="0"/>
       </a:lnRef>
-      <a:fillRef idx="1">
+      <a:fillRef idx="2">
         <a:scrgbClr r="0" g="0" b="0"/>
       </a:fillRef>
-      <a:effectRef idx="0">
+      <a:effectRef idx="1">
         <a:scrgbClr r="0" g="0" b="0"/>
       </a:effectRef>
       <a:fontRef idx="minor">
-        <a:schemeClr val="lt1"/>
+        <a:schemeClr val="dk1"/>
       </a:fontRef>
     </dgm:style>
   </dgm:styleLbl>
@@ -6989,7 +7843,7 @@
     <dgm:sp3d/>
     <dgm:txPr/>
     <dgm:style>
-      <a:lnRef idx="2">
+      <a:lnRef idx="1">
         <a:scrgbClr r="0" g="0" b="0"/>
       </a:lnRef>
       <a:fillRef idx="1">
@@ -7009,7 +7863,7 @@
     <dgm:sp3d/>
     <dgm:txPr/>
     <dgm:style>
-      <a:lnRef idx="2">
+      <a:lnRef idx="1">
         <a:scrgbClr r="0" g="0" b="0"/>
       </a:lnRef>
       <a:fillRef idx="1">
@@ -7029,7 +7883,7 @@
     <dgm:sp3d/>
     <dgm:txPr/>
     <dgm:style>
-      <a:lnRef idx="2">
+      <a:lnRef idx="1">
         <a:scrgbClr r="0" g="0" b="0"/>
       </a:lnRef>
       <a:fillRef idx="1">
@@ -7069,7 +7923,7 @@
     <dgm:sp3d/>
     <dgm:txPr/>
     <dgm:style>
-      <a:lnRef idx="2">
+      <a:lnRef idx="1">
         <a:scrgbClr r="0" g="0" b="0"/>
       </a:lnRef>
       <a:fillRef idx="1">
@@ -7089,10 +7943,10 @@
     <dgm:sp3d/>
     <dgm:txPr/>
     <dgm:style>
-      <a:lnRef idx="2">
+      <a:lnRef idx="1">
         <a:scrgbClr r="0" g="0" b="0"/>
       </a:lnRef>
-      <a:fillRef idx="1">
+      <a:fillRef idx="2">
         <a:scrgbClr r="0" g="0" b="0"/>
       </a:fillRef>
       <a:effectRef idx="0">
@@ -7109,7 +7963,7 @@
     <dgm:sp3d/>
     <dgm:txPr/>
     <dgm:style>
-      <a:lnRef idx="2">
+      <a:lnRef idx="1">
         <a:scrgbClr r="0" g="0" b="0"/>
       </a:lnRef>
       <a:fillRef idx="1">
@@ -7129,7 +7983,7 @@
     <dgm:sp3d/>
     <dgm:txPr/>
     <dgm:style>
-      <a:lnRef idx="2">
+      <a:lnRef idx="1">
         <a:scrgbClr r="0" g="0" b="0"/>
       </a:lnRef>
       <a:fillRef idx="1">
@@ -7149,7 +8003,7 @@
     <dgm:sp3d/>
     <dgm:txPr/>
     <dgm:style>
-      <a:lnRef idx="2">
+      <a:lnRef idx="1">
         <a:scrgbClr r="0" g="0" b="0"/>
       </a:lnRef>
       <a:fillRef idx="1">
@@ -7169,7 +8023,7 @@
     <dgm:sp3d/>
     <dgm:txPr/>
     <dgm:style>
-      <a:lnRef idx="2">
+      <a:lnRef idx="1">
         <a:scrgbClr r="0" g="0" b="0"/>
       </a:lnRef>
       <a:fillRef idx="1">
@@ -7189,7 +8043,7 @@
     <dgm:sp3d/>
     <dgm:txPr/>
     <dgm:style>
-      <a:lnRef idx="2">
+      <a:lnRef idx="1">
         <a:scrgbClr r="0" g="0" b="0"/>
       </a:lnRef>
       <a:fillRef idx="1">
@@ -7209,7 +8063,7 @@
     <dgm:sp3d/>
     <dgm:txPr/>
     <dgm:style>
-      <a:lnRef idx="2">
+      <a:lnRef idx="1">
         <a:scrgbClr r="0" g="0" b="0"/>
       </a:lnRef>
       <a:fillRef idx="1">
@@ -7229,7 +8083,7 @@
     <dgm:sp3d/>
     <dgm:txPr/>
     <dgm:style>
-      <a:lnRef idx="2">
+      <a:lnRef idx="1">
         <a:scrgbClr r="0" g="0" b="0"/>
       </a:lnRef>
       <a:fillRef idx="1">
@@ -7249,7 +8103,7 @@
     <dgm:sp3d/>
     <dgm:txPr/>
     <dgm:style>
-      <a:lnRef idx="2">
+      <a:lnRef idx="1">
         <a:scrgbClr r="0" g="0" b="0"/>
       </a:lnRef>
       <a:fillRef idx="1">
@@ -7269,7 +8123,7 @@
     <dgm:sp3d/>
     <dgm:txPr/>
     <dgm:style>
-      <a:lnRef idx="2">
+      <a:lnRef idx="1">
         <a:scrgbClr r="0" g="0" b="0"/>
       </a:lnRef>
       <a:fillRef idx="1">
@@ -7295,7 +8149,7 @@
       <a:fillRef idx="1">
         <a:scrgbClr r="0" g="0" b="0"/>
       </a:fillRef>
-      <a:effectRef idx="0">
+      <a:effectRef idx="1">
         <a:scrgbClr r="0" g="0" b="0"/>
       </a:effectRef>
       <a:fontRef idx="minor"/>
@@ -7315,7 +8169,7 @@
       <a:fillRef idx="1">
         <a:scrgbClr r="0" g="0" b="0"/>
       </a:fillRef>
-      <a:effectRef idx="0">
+      <a:effectRef idx="1">
         <a:scrgbClr r="0" g="0" b="0"/>
       </a:effectRef>
       <a:fontRef idx="minor"/>
@@ -7344,18 +8198,20 @@
   <dgm:styleLbl name="fgShp">
     <dgm:scene3d>
       <a:camera prst="orthographicFront"/>
-      <a:lightRig rig="threePt" dir="t"/>
+      <a:lightRig rig="flat" dir="t"/>
     </dgm:scene3d>
-    <dgm:sp3d/>
+    <dgm:sp3d prstMaterial="dkEdge">
+      <a:bevelT w="8200" h="38100"/>
+    </dgm:sp3d>
     <dgm:txPr/>
     <dgm:style>
-      <a:lnRef idx="2">
+      <a:lnRef idx="1">
         <a:scrgbClr r="0" g="0" b="0"/>
       </a:lnRef>
-      <a:fillRef idx="1">
+      <a:fillRef idx="2">
         <a:scrgbClr r="0" g="0" b="0"/>
       </a:fillRef>
-      <a:effectRef idx="0">
+      <a:effectRef idx="1">
         <a:scrgbClr r="0" g="0" b="0"/>
       </a:effectRef>
       <a:fontRef idx="minor"/>
@@ -7385,11 +8241,11 @@
 </file>
 
 <file path=ppt/diagrams/quickStyle3.xml><?xml version="1.0" encoding="utf-8"?>
-<dgm:styleDef xmlns:dgm="http://schemas.openxmlformats.org/drawingml/2006/diagram" xmlns:a="http://schemas.openxmlformats.org/drawingml/2006/main" uniqueId="urn:microsoft.com/office/officeart/2005/8/quickstyle/simple1">
+<dgm:styleDef xmlns:dgm="http://schemas.openxmlformats.org/drawingml/2006/diagram" xmlns:a="http://schemas.openxmlformats.org/drawingml/2006/main" uniqueId="urn:microsoft.com/office/officeart/2005/8/quickstyle/simple3">
   <dgm:title val=""/>
   <dgm:desc val=""/>
   <dgm:catLst>
-    <dgm:cat type="simple" pri="10100"/>
+    <dgm:cat type="simple" pri="10300"/>
   </dgm:catLst>
   <dgm:scene3d>
     <a:camera prst="orthographicFront"/>
@@ -7398,59 +8254,65 @@
   <dgm:styleLbl name="node0">
     <dgm:scene3d>
       <a:camera prst="orthographicFront"/>
-      <a:lightRig rig="threePt" dir="t"/>
+      <a:lightRig rig="flat" dir="t"/>
     </dgm:scene3d>
-    <dgm:sp3d/>
+    <dgm:sp3d prstMaterial="dkEdge">
+      <a:bevelT w="8200" h="38100"/>
+    </dgm:sp3d>
     <dgm:txPr/>
     <dgm:style>
-      <a:lnRef idx="2">
+      <a:lnRef idx="0">
         <a:scrgbClr r="0" g="0" b="0"/>
       </a:lnRef>
-      <a:fillRef idx="1">
+      <a:fillRef idx="2">
         <a:scrgbClr r="0" g="0" b="0"/>
       </a:fillRef>
-      <a:effectRef idx="0">
+      <a:effectRef idx="1">
         <a:scrgbClr r="0" g="0" b="0"/>
       </a:effectRef>
       <a:fontRef idx="minor">
-        <a:schemeClr val="lt1"/>
+        <a:schemeClr val="dk1"/>
       </a:fontRef>
     </dgm:style>
   </dgm:styleLbl>
   <dgm:styleLbl name="lnNode1">
     <dgm:scene3d>
       <a:camera prst="orthographicFront"/>
-      <a:lightRig rig="threePt" dir="t"/>
+      <a:lightRig rig="flat" dir="t"/>
     </dgm:scene3d>
-    <dgm:sp3d/>
+    <dgm:sp3d prstMaterial="dkEdge">
+      <a:bevelT w="8200" h="38100"/>
+    </dgm:sp3d>
     <dgm:txPr/>
     <dgm:style>
-      <a:lnRef idx="2">
+      <a:lnRef idx="1">
         <a:scrgbClr r="0" g="0" b="0"/>
       </a:lnRef>
-      <a:fillRef idx="1">
+      <a:fillRef idx="2">
         <a:scrgbClr r="0" g="0" b="0"/>
       </a:fillRef>
       <a:effectRef idx="0">
         <a:scrgbClr r="0" g="0" b="0"/>
       </a:effectRef>
       <a:fontRef idx="minor">
-        <a:schemeClr val="lt1"/>
+        <a:schemeClr val="dk1"/>
       </a:fontRef>
     </dgm:style>
   </dgm:styleLbl>
   <dgm:styleLbl name="vennNode1">
     <dgm:scene3d>
       <a:camera prst="orthographicFront"/>
-      <a:lightRig rig="threePt" dir="t"/>
+      <a:lightRig rig="flat" dir="t"/>
     </dgm:scene3d>
-    <dgm:sp3d/>
+    <dgm:sp3d prstMaterial="dkEdge">
+      <a:bevelT w="8200" h="38100"/>
+    </dgm:sp3d>
     <dgm:txPr/>
     <dgm:style>
-      <a:lnRef idx="2">
+      <a:lnRef idx="0">
         <a:scrgbClr r="0" g="0" b="0"/>
       </a:lnRef>
-      <a:fillRef idx="1">
+      <a:fillRef idx="2">
         <a:scrgbClr r="0" g="0" b="0"/>
       </a:fillRef>
       <a:effectRef idx="0">
@@ -7469,105 +8331,113 @@
     <dgm:sp3d/>
     <dgm:txPr/>
     <dgm:style>
-      <a:lnRef idx="2">
+      <a:lnRef idx="1">
         <a:scrgbClr r="0" g="0" b="0"/>
       </a:lnRef>
-      <a:fillRef idx="1">
+      <a:fillRef idx="2">
         <a:scrgbClr r="0" g="0" b="0"/>
       </a:fillRef>
-      <a:effectRef idx="0">
+      <a:effectRef idx="1">
         <a:scrgbClr r="0" g="0" b="0"/>
       </a:effectRef>
       <a:fontRef idx="minor">
-        <a:schemeClr val="lt1"/>
+        <a:schemeClr val="dk1"/>
       </a:fontRef>
     </dgm:style>
   </dgm:styleLbl>
   <dgm:styleLbl name="node1">
     <dgm:scene3d>
       <a:camera prst="orthographicFront"/>
-      <a:lightRig rig="threePt" dir="t"/>
+      <a:lightRig rig="flat" dir="t"/>
     </dgm:scene3d>
-    <dgm:sp3d/>
+    <dgm:sp3d prstMaterial="dkEdge">
+      <a:bevelT w="8200" h="38100"/>
+    </dgm:sp3d>
     <dgm:txPr/>
     <dgm:style>
-      <a:lnRef idx="2">
+      <a:lnRef idx="0">
         <a:scrgbClr r="0" g="0" b="0"/>
       </a:lnRef>
-      <a:fillRef idx="1">
+      <a:fillRef idx="2">
         <a:scrgbClr r="0" g="0" b="0"/>
       </a:fillRef>
-      <a:effectRef idx="0">
+      <a:effectRef idx="1">
         <a:scrgbClr r="0" g="0" b="0"/>
       </a:effectRef>
       <a:fontRef idx="minor">
-        <a:schemeClr val="lt1"/>
+        <a:schemeClr val="dk1"/>
       </a:fontRef>
     </dgm:style>
   </dgm:styleLbl>
   <dgm:styleLbl name="node2">
     <dgm:scene3d>
       <a:camera prst="orthographicFront"/>
-      <a:lightRig rig="threePt" dir="t"/>
+      <a:lightRig rig="flat" dir="t"/>
     </dgm:scene3d>
-    <dgm:sp3d/>
+    <dgm:sp3d prstMaterial="dkEdge">
+      <a:bevelT w="8200" h="38100"/>
+    </dgm:sp3d>
     <dgm:txPr/>
     <dgm:style>
-      <a:lnRef idx="2">
+      <a:lnRef idx="0">
         <a:scrgbClr r="0" g="0" b="0"/>
       </a:lnRef>
-      <a:fillRef idx="1">
+      <a:fillRef idx="2">
         <a:scrgbClr r="0" g="0" b="0"/>
       </a:fillRef>
-      <a:effectRef idx="0">
+      <a:effectRef idx="1">
         <a:scrgbClr r="0" g="0" b="0"/>
       </a:effectRef>
       <a:fontRef idx="minor">
-        <a:schemeClr val="lt1"/>
+        <a:schemeClr val="dk1"/>
       </a:fontRef>
     </dgm:style>
   </dgm:styleLbl>
   <dgm:styleLbl name="node3">
     <dgm:scene3d>
       <a:camera prst="orthographicFront"/>
-      <a:lightRig rig="threePt" dir="t"/>
+      <a:lightRig rig="flat" dir="t"/>
     </dgm:scene3d>
-    <dgm:sp3d/>
+    <dgm:sp3d prstMaterial="dkEdge">
+      <a:bevelT w="8200" h="38100"/>
+    </dgm:sp3d>
     <dgm:txPr/>
     <dgm:style>
-      <a:lnRef idx="2">
+      <a:lnRef idx="0">
         <a:scrgbClr r="0" g="0" b="0"/>
       </a:lnRef>
-      <a:fillRef idx="1">
+      <a:fillRef idx="2">
         <a:scrgbClr r="0" g="0" b="0"/>
       </a:fillRef>
-      <a:effectRef idx="0">
+      <a:effectRef idx="1">
         <a:scrgbClr r="0" g="0" b="0"/>
       </a:effectRef>
       <a:fontRef idx="minor">
-        <a:schemeClr val="lt1"/>
+        <a:schemeClr val="dk1"/>
       </a:fontRef>
     </dgm:style>
   </dgm:styleLbl>
   <dgm:styleLbl name="node4">
     <dgm:scene3d>
       <a:camera prst="orthographicFront"/>
-      <a:lightRig rig="threePt" dir="t"/>
+      <a:lightRig rig="flat" dir="t"/>
     </dgm:scene3d>
-    <dgm:sp3d/>
+    <dgm:sp3d prstMaterial="dkEdge">
+      <a:bevelT w="8200" h="38100"/>
+    </dgm:sp3d>
     <dgm:txPr/>
     <dgm:style>
-      <a:lnRef idx="2">
+      <a:lnRef idx="0">
         <a:scrgbClr r="0" g="0" b="0"/>
       </a:lnRef>
-      <a:fillRef idx="1">
+      <a:fillRef idx="2">
         <a:scrgbClr r="0" g="0" b="0"/>
       </a:fillRef>
-      <a:effectRef idx="0">
+      <a:effectRef idx="1">
         <a:scrgbClr r="0" g="0" b="0"/>
       </a:effectRef>
       <a:fontRef idx="minor">
-        <a:schemeClr val="lt1"/>
+        <a:schemeClr val="dk1"/>
       </a:fontRef>
     </dgm:style>
   </dgm:styleLbl>
@@ -7579,13 +8449,13 @@
     <dgm:sp3d/>
     <dgm:txPr/>
     <dgm:style>
-      <a:lnRef idx="2">
+      <a:lnRef idx="1">
         <a:scrgbClr r="0" g="0" b="0"/>
       </a:lnRef>
       <a:fillRef idx="1">
         <a:scrgbClr r="0" g="0" b="0"/>
       </a:fillRef>
-      <a:effectRef idx="0">
+      <a:effectRef idx="1">
         <a:scrgbClr r="0" g="0" b="0"/>
       </a:effectRef>
       <a:fontRef idx="minor"/>
@@ -7599,13 +8469,13 @@
     <dgm:sp3d/>
     <dgm:txPr/>
     <dgm:style>
-      <a:lnRef idx="2">
+      <a:lnRef idx="1">
         <a:scrgbClr r="0" g="0" b="0"/>
       </a:lnRef>
       <a:fillRef idx="1">
         <a:scrgbClr r="0" g="0" b="0"/>
       </a:fillRef>
-      <a:effectRef idx="0">
+      <a:effectRef idx="1">
         <a:scrgbClr r="0" g="0" b="0"/>
       </a:effectRef>
       <a:fontRef idx="minor"/>
@@ -7619,13 +8489,13 @@
     <dgm:sp3d/>
     <dgm:txPr/>
     <dgm:style>
-      <a:lnRef idx="2">
+      <a:lnRef idx="1">
         <a:scrgbClr r="0" g="0" b="0"/>
       </a:lnRef>
       <a:fillRef idx="1">
         <a:scrgbClr r="0" g="0" b="0"/>
       </a:fillRef>
-      <a:effectRef idx="0">
+      <a:effectRef idx="1">
         <a:scrgbClr r="0" g="0" b="0"/>
       </a:effectRef>
       <a:fontRef idx="minor"/>
@@ -7642,14 +8512,14 @@
       <a:lnRef idx="0">
         <a:scrgbClr r="0" g="0" b="0"/>
       </a:lnRef>
-      <a:fillRef idx="1">
+      <a:fillRef idx="2">
         <a:scrgbClr r="0" g="0" b="0"/>
       </a:fillRef>
-      <a:effectRef idx="0">
+      <a:effectRef idx="1">
         <a:scrgbClr r="0" g="0" b="0"/>
       </a:effectRef>
       <a:fontRef idx="minor">
-        <a:schemeClr val="lt1"/>
+        <a:schemeClr val="dk1"/>
       </a:fontRef>
     </dgm:style>
   </dgm:styleLbl>
@@ -7664,14 +8534,14 @@
       <a:lnRef idx="0">
         <a:scrgbClr r="0" g="0" b="0"/>
       </a:lnRef>
-      <a:fillRef idx="1">
+      <a:fillRef idx="2">
         <a:scrgbClr r="0" g="0" b="0"/>
       </a:fillRef>
-      <a:effectRef idx="0">
+      <a:effectRef idx="1">
         <a:scrgbClr r="0" g="0" b="0"/>
       </a:effectRef>
       <a:fontRef idx="minor">
-        <a:schemeClr val="lt1"/>
+        <a:schemeClr val="dk1"/>
       </a:fontRef>
     </dgm:style>
   </dgm:styleLbl>
@@ -7686,14 +8556,14 @@
       <a:lnRef idx="0">
         <a:scrgbClr r="0" g="0" b="0"/>
       </a:lnRef>
-      <a:fillRef idx="1">
+      <a:fillRef idx="2">
         <a:scrgbClr r="0" g="0" b="0"/>
       </a:fillRef>
-      <a:effectRef idx="0">
+      <a:effectRef idx="1">
         <a:scrgbClr r="0" g="0" b="0"/>
       </a:effectRef>
       <a:fontRef idx="minor">
-        <a:schemeClr val="lt1"/>
+        <a:schemeClr val="dk1"/>
       </a:fontRef>
     </dgm:style>
   </dgm:styleLbl>
@@ -7725,13 +8595,13 @@
     <dgm:sp3d/>
     <dgm:txPr/>
     <dgm:style>
-      <a:lnRef idx="2">
+      <a:lnRef idx="1">
         <a:scrgbClr r="0" g="0" b="0"/>
       </a:lnRef>
-      <a:fillRef idx="1">
+      <a:fillRef idx="2">
         <a:scrgbClr r="0" g="0" b="0"/>
       </a:fillRef>
-      <a:effectRef idx="0">
+      <a:effectRef idx="1">
         <a:scrgbClr r="0" g="0" b="0"/>
       </a:effectRef>
       <a:fontRef idx="minor"/>
@@ -7740,110 +8610,120 @@
   <dgm:styleLbl name="asst0">
     <dgm:scene3d>
       <a:camera prst="orthographicFront"/>
-      <a:lightRig rig="threePt" dir="t"/>
+      <a:lightRig rig="flat" dir="t"/>
     </dgm:scene3d>
-    <dgm:sp3d/>
+    <dgm:sp3d prstMaterial="dkEdge">
+      <a:bevelT w="8200" h="38100"/>
+    </dgm:sp3d>
     <dgm:txPr/>
     <dgm:style>
-      <a:lnRef idx="2">
+      <a:lnRef idx="0">
         <a:scrgbClr r="0" g="0" b="0"/>
       </a:lnRef>
-      <a:fillRef idx="1">
+      <a:fillRef idx="2">
         <a:scrgbClr r="0" g="0" b="0"/>
       </a:fillRef>
-      <a:effectRef idx="0">
+      <a:effectRef idx="1">
         <a:scrgbClr r="0" g="0" b="0"/>
       </a:effectRef>
       <a:fontRef idx="minor">
-        <a:schemeClr val="lt1"/>
+        <a:schemeClr val="dk1"/>
       </a:fontRef>
     </dgm:style>
   </dgm:styleLbl>
   <dgm:styleLbl name="asst1">
     <dgm:scene3d>
       <a:camera prst="orthographicFront"/>
-      <a:lightRig rig="threePt" dir="t"/>
+      <a:lightRig rig="flat" dir="t"/>
     </dgm:scene3d>
-    <dgm:sp3d/>
+    <dgm:sp3d prstMaterial="dkEdge">
+      <a:bevelT w="8200" h="38100"/>
+    </dgm:sp3d>
     <dgm:txPr/>
     <dgm:style>
-      <a:lnRef idx="2">
+      <a:lnRef idx="0">
         <a:scrgbClr r="0" g="0" b="0"/>
       </a:lnRef>
-      <a:fillRef idx="1">
+      <a:fillRef idx="2">
         <a:scrgbClr r="0" g="0" b="0"/>
       </a:fillRef>
-      <a:effectRef idx="0">
+      <a:effectRef idx="1">
         <a:scrgbClr r="0" g="0" b="0"/>
       </a:effectRef>
       <a:fontRef idx="minor">
-        <a:schemeClr val="lt1"/>
+        <a:schemeClr val="dk1"/>
       </a:fontRef>
     </dgm:style>
   </dgm:styleLbl>
   <dgm:styleLbl name="asst2">
     <dgm:scene3d>
       <a:camera prst="orthographicFront"/>
-      <a:lightRig rig="threePt" dir="t"/>
+      <a:lightRig rig="flat" dir="t"/>
     </dgm:scene3d>
-    <dgm:sp3d/>
+    <dgm:sp3d prstMaterial="dkEdge">
+      <a:bevelT w="8200" h="38100"/>
+    </dgm:sp3d>
     <dgm:txPr/>
     <dgm:style>
-      <a:lnRef idx="2">
+      <a:lnRef idx="0">
         <a:scrgbClr r="0" g="0" b="0"/>
       </a:lnRef>
-      <a:fillRef idx="1">
+      <a:fillRef idx="2">
         <a:scrgbClr r="0" g="0" b="0"/>
       </a:fillRef>
-      <a:effectRef idx="0">
+      <a:effectRef idx="1">
         <a:scrgbClr r="0" g="0" b="0"/>
       </a:effectRef>
       <a:fontRef idx="minor">
-        <a:schemeClr val="lt1"/>
+        <a:schemeClr val="dk1"/>
       </a:fontRef>
     </dgm:style>
   </dgm:styleLbl>
   <dgm:styleLbl name="asst3">
     <dgm:scene3d>
       <a:camera prst="orthographicFront"/>
-      <a:lightRig rig="threePt" dir="t"/>
+      <a:lightRig rig="flat" dir="t"/>
     </dgm:scene3d>
-    <dgm:sp3d/>
+    <dgm:sp3d prstMaterial="dkEdge">
+      <a:bevelT w="8200" h="38100"/>
+    </dgm:sp3d>
     <dgm:txPr/>
     <dgm:style>
-      <a:lnRef idx="2">
+      <a:lnRef idx="0">
         <a:scrgbClr r="0" g="0" b="0"/>
       </a:lnRef>
-      <a:fillRef idx="1">
+      <a:fillRef idx="2">
         <a:scrgbClr r="0" g="0" b="0"/>
       </a:fillRef>
-      <a:effectRef idx="0">
+      <a:effectRef idx="1">
         <a:scrgbClr r="0" g="0" b="0"/>
       </a:effectRef>
       <a:fontRef idx="minor">
-        <a:schemeClr val="lt1"/>
+        <a:schemeClr val="dk1"/>
       </a:fontRef>
     </dgm:style>
   </dgm:styleLbl>
   <dgm:styleLbl name="asst4">
     <dgm:scene3d>
       <a:camera prst="orthographicFront"/>
-      <a:lightRig rig="threePt" dir="t"/>
+      <a:lightRig rig="flat" dir="t"/>
     </dgm:scene3d>
-    <dgm:sp3d/>
+    <dgm:sp3d prstMaterial="dkEdge">
+      <a:bevelT w="8200" h="38100"/>
+    </dgm:sp3d>
     <dgm:txPr/>
     <dgm:style>
-      <a:lnRef idx="2">
+      <a:lnRef idx="0">
         <a:scrgbClr r="0" g="0" b="0"/>
       </a:lnRef>
-      <a:fillRef idx="1">
+      <a:fillRef idx="2">
         <a:scrgbClr r="0" g="0" b="0"/>
       </a:fillRef>
-      <a:effectRef idx="0">
+      <a:effectRef idx="1">
         <a:scrgbClr r="0" g="0" b="0"/>
       </a:effectRef>
       <a:fontRef idx="minor">
-        <a:schemeClr val="lt1"/>
+        <a:schemeClr val="dk1"/>
       </a:fontRef>
     </dgm:style>
   </dgm:styleLbl>
@@ -7855,17 +8735,17 @@
     <dgm:sp3d/>
     <dgm:txPr/>
     <dgm:style>
-      <a:lnRef idx="2">
+      <a:lnRef idx="1">
         <a:scrgbClr r="0" g="0" b="0"/>
       </a:lnRef>
-      <a:fillRef idx="1">
+      <a:fillRef idx="2">
         <a:scrgbClr r="0" g="0" b="0"/>
       </a:fillRef>
-      <a:effectRef idx="0">
+      <a:effectRef idx="1">
         <a:scrgbClr r="0" g="0" b="0"/>
       </a:effectRef>
       <a:fontRef idx="minor">
-        <a:schemeClr val="lt1"/>
+        <a:schemeClr val="dk1"/>
       </a:fontRef>
     </dgm:style>
   </dgm:styleLbl>
@@ -7877,17 +8757,17 @@
     <dgm:sp3d/>
     <dgm:txPr/>
     <dgm:style>
-      <a:lnRef idx="2">
+      <a:lnRef idx="1">
         <a:scrgbClr r="0" g="0" b="0"/>
       </a:lnRef>
-      <a:fillRef idx="1">
+      <a:fillRef idx="2">
         <a:scrgbClr r="0" g="0" b="0"/>
       </a:fillRef>
-      <a:effectRef idx="0">
+      <a:effectRef idx="1">
         <a:scrgbClr r="0" g="0" b="0"/>
       </a:effectRef>
       <a:fontRef idx="minor">
-        <a:schemeClr val="lt1"/>
+        <a:schemeClr val="dk1"/>
       </a:fontRef>
     </dgm:style>
   </dgm:styleLbl>
@@ -7899,17 +8779,17 @@
     <dgm:sp3d/>
     <dgm:txPr/>
     <dgm:style>
-      <a:lnRef idx="2">
+      <a:lnRef idx="1">
         <a:scrgbClr r="0" g="0" b="0"/>
       </a:lnRef>
-      <a:fillRef idx="1">
+      <a:fillRef idx="2">
         <a:scrgbClr r="0" g="0" b="0"/>
       </a:fillRef>
-      <a:effectRef idx="0">
+      <a:effectRef idx="1">
         <a:scrgbClr r="0" g="0" b="0"/>
       </a:effectRef>
       <a:fontRef idx="minor">
-        <a:schemeClr val="lt1"/>
+        <a:schemeClr val="dk1"/>
       </a:fontRef>
     </dgm:style>
   </dgm:styleLbl>
@@ -7921,17 +8801,17 @@
     <dgm:sp3d/>
     <dgm:txPr/>
     <dgm:style>
-      <a:lnRef idx="2">
+      <a:lnRef idx="1">
         <a:scrgbClr r="0" g="0" b="0"/>
       </a:lnRef>
-      <a:fillRef idx="1">
+      <a:fillRef idx="2">
         <a:scrgbClr r="0" g="0" b="0"/>
       </a:fillRef>
-      <a:effectRef idx="0">
+      <a:effectRef idx="1">
         <a:scrgbClr r="0" g="0" b="0"/>
       </a:effectRef>
       <a:fontRef idx="minor">
-        <a:schemeClr val="lt1"/>
+        <a:schemeClr val="dk1"/>
       </a:fontRef>
     </dgm:style>
   </dgm:styleLbl>
@@ -8023,7 +8903,7 @@
     <dgm:sp3d/>
     <dgm:txPr/>
     <dgm:style>
-      <a:lnRef idx="2">
+      <a:lnRef idx="1">
         <a:scrgbClr r="0" g="0" b="0"/>
       </a:lnRef>
       <a:fillRef idx="1">
@@ -8043,7 +8923,7 @@
     <dgm:sp3d/>
     <dgm:txPr/>
     <dgm:style>
-      <a:lnRef idx="2">
+      <a:lnRef idx="1">
         <a:scrgbClr r="0" g="0" b="0"/>
       </a:lnRef>
       <a:fillRef idx="1">
@@ -8063,7 +8943,7 @@
     <dgm:sp3d/>
     <dgm:txPr/>
     <dgm:style>
-      <a:lnRef idx="2">
+      <a:lnRef idx="1">
         <a:scrgbClr r="0" g="0" b="0"/>
       </a:lnRef>
       <a:fillRef idx="1">
@@ -8103,7 +8983,7 @@
     <dgm:sp3d/>
     <dgm:txPr/>
     <dgm:style>
-      <a:lnRef idx="2">
+      <a:lnRef idx="1">
         <a:scrgbClr r="0" g="0" b="0"/>
       </a:lnRef>
       <a:fillRef idx="1">
@@ -8123,10 +9003,10 @@
     <dgm:sp3d/>
     <dgm:txPr/>
     <dgm:style>
-      <a:lnRef idx="2">
+      <a:lnRef idx="1">
         <a:scrgbClr r="0" g="0" b="0"/>
       </a:lnRef>
-      <a:fillRef idx="1">
+      <a:fillRef idx="2">
         <a:scrgbClr r="0" g="0" b="0"/>
       </a:fillRef>
       <a:effectRef idx="0">
@@ -8143,7 +9023,7 @@
     <dgm:sp3d/>
     <dgm:txPr/>
     <dgm:style>
-      <a:lnRef idx="2">
+      <a:lnRef idx="1">
         <a:scrgbClr r="0" g="0" b="0"/>
       </a:lnRef>
       <a:fillRef idx="1">
@@ -8163,7 +9043,7 @@
     <dgm:sp3d/>
     <dgm:txPr/>
     <dgm:style>
-      <a:lnRef idx="2">
+      <a:lnRef idx="1">
         <a:scrgbClr r="0" g="0" b="0"/>
       </a:lnRef>
       <a:fillRef idx="1">
@@ -8183,7 +9063,7 @@
     <dgm:sp3d/>
     <dgm:txPr/>
     <dgm:style>
-      <a:lnRef idx="2">
+      <a:lnRef idx="1">
         <a:scrgbClr r="0" g="0" b="0"/>
       </a:lnRef>
       <a:fillRef idx="1">
@@ -8203,7 +9083,7 @@
     <dgm:sp3d/>
     <dgm:txPr/>
     <dgm:style>
-      <a:lnRef idx="2">
+      <a:lnRef idx="1">
         <a:scrgbClr r="0" g="0" b="0"/>
       </a:lnRef>
       <a:fillRef idx="1">
@@ -8223,7 +9103,7 @@
     <dgm:sp3d/>
     <dgm:txPr/>
     <dgm:style>
-      <a:lnRef idx="2">
+      <a:lnRef idx="1">
         <a:scrgbClr r="0" g="0" b="0"/>
       </a:lnRef>
       <a:fillRef idx="1">
@@ -8243,7 +9123,7 @@
     <dgm:sp3d/>
     <dgm:txPr/>
     <dgm:style>
-      <a:lnRef idx="2">
+      <a:lnRef idx="1">
         <a:scrgbClr r="0" g="0" b="0"/>
       </a:lnRef>
       <a:fillRef idx="1">
@@ -8263,7 +9143,7 @@
     <dgm:sp3d/>
     <dgm:txPr/>
     <dgm:style>
-      <a:lnRef idx="2">
+      <a:lnRef idx="1">
         <a:scrgbClr r="0" g="0" b="0"/>
       </a:lnRef>
       <a:fillRef idx="1">
@@ -8283,7 +9163,7 @@
     <dgm:sp3d/>
     <dgm:txPr/>
     <dgm:style>
-      <a:lnRef idx="2">
+      <a:lnRef idx="1">
         <a:scrgbClr r="0" g="0" b="0"/>
       </a:lnRef>
       <a:fillRef idx="1">
@@ -8303,7 +9183,7 @@
     <dgm:sp3d/>
     <dgm:txPr/>
     <dgm:style>
-      <a:lnRef idx="2">
+      <a:lnRef idx="1">
         <a:scrgbClr r="0" g="0" b="0"/>
       </a:lnRef>
       <a:fillRef idx="1">
@@ -8329,7 +9209,7 @@
       <a:fillRef idx="1">
         <a:scrgbClr r="0" g="0" b="0"/>
       </a:fillRef>
-      <a:effectRef idx="0">
+      <a:effectRef idx="1">
         <a:scrgbClr r="0" g="0" b="0"/>
       </a:effectRef>
       <a:fontRef idx="minor"/>
@@ -8349,7 +9229,7 @@
       <a:fillRef idx="1">
         <a:scrgbClr r="0" g="0" b="0"/>
       </a:fillRef>
-      <a:effectRef idx="0">
+      <a:effectRef idx="1">
         <a:scrgbClr r="0" g="0" b="0"/>
       </a:effectRef>
       <a:fontRef idx="minor"/>
@@ -8378,18 +9258,20 @@
   <dgm:styleLbl name="fgShp">
     <dgm:scene3d>
       <a:camera prst="orthographicFront"/>
-      <a:lightRig rig="threePt" dir="t"/>
+      <a:lightRig rig="flat" dir="t"/>
     </dgm:scene3d>
-    <dgm:sp3d/>
+    <dgm:sp3d prstMaterial="dkEdge">
+      <a:bevelT w="8200" h="38100"/>
+    </dgm:sp3d>
     <dgm:txPr/>
     <dgm:style>
-      <a:lnRef idx="2">
+      <a:lnRef idx="1">
         <a:scrgbClr r="0" g="0" b="0"/>
       </a:lnRef>
-      <a:fillRef idx="1">
+      <a:fillRef idx="2">
         <a:scrgbClr r="0" g="0" b="0"/>
       </a:fillRef>
-      <a:effectRef idx="0">
+      <a:effectRef idx="1">
         <a:scrgbClr r="0" g="0" b="0"/>
       </a:effectRef>
       <a:fontRef idx="minor"/>
@@ -8549,7 +9431,7 @@
           <a:p>
             <a:fld id="{2ED44E80-9A47-484A-9109-4C13C6AA066B}" type="datetimeFigureOut">
               <a:rPr lang="en-US" smtClean="0"/>
-              <a:t>6/26/2021</a:t>
+              <a:t>6/27/2021</a:t>
             </a:fld>
             <a:endParaRPr lang="en-US"/>
           </a:p>
@@ -8719,7 +9601,7 @@
           <a:p>
             <a:fld id="{2ED44E80-9A47-484A-9109-4C13C6AA066B}" type="datetimeFigureOut">
               <a:rPr lang="en-US" smtClean="0"/>
-              <a:t>6/26/2021</a:t>
+              <a:t>6/27/2021</a:t>
             </a:fld>
             <a:endParaRPr lang="en-US"/>
           </a:p>
@@ -8899,7 +9781,7 @@
           <a:p>
             <a:fld id="{2ED44E80-9A47-484A-9109-4C13C6AA066B}" type="datetimeFigureOut">
               <a:rPr lang="en-US" smtClean="0"/>
-              <a:t>6/26/2021</a:t>
+              <a:t>6/27/2021</a:t>
             </a:fld>
             <a:endParaRPr lang="en-US"/>
           </a:p>
@@ -9069,7 +9951,7 @@
           <a:p>
             <a:fld id="{2ED44E80-9A47-484A-9109-4C13C6AA066B}" type="datetimeFigureOut">
               <a:rPr lang="en-US" smtClean="0"/>
-              <a:t>6/26/2021</a:t>
+              <a:t>6/27/2021</a:t>
             </a:fld>
             <a:endParaRPr lang="en-US"/>
           </a:p>
@@ -9315,7 +10197,7 @@
           <a:p>
             <a:fld id="{2ED44E80-9A47-484A-9109-4C13C6AA066B}" type="datetimeFigureOut">
               <a:rPr lang="en-US" smtClean="0"/>
-              <a:t>6/26/2021</a:t>
+              <a:t>6/27/2021</a:t>
             </a:fld>
             <a:endParaRPr lang="en-US"/>
           </a:p>
@@ -9547,7 +10429,7 @@
           <a:p>
             <a:fld id="{2ED44E80-9A47-484A-9109-4C13C6AA066B}" type="datetimeFigureOut">
               <a:rPr lang="en-US" smtClean="0"/>
-              <a:t>6/26/2021</a:t>
+              <a:t>6/27/2021</a:t>
             </a:fld>
             <a:endParaRPr lang="en-US"/>
           </a:p>
@@ -9914,7 +10796,7 @@
           <a:p>
             <a:fld id="{2ED44E80-9A47-484A-9109-4C13C6AA066B}" type="datetimeFigureOut">
               <a:rPr lang="en-US" smtClean="0"/>
-              <a:t>6/26/2021</a:t>
+              <a:t>6/27/2021</a:t>
             </a:fld>
             <a:endParaRPr lang="en-US"/>
           </a:p>
@@ -10032,7 +10914,7 @@
           <a:p>
             <a:fld id="{2ED44E80-9A47-484A-9109-4C13C6AA066B}" type="datetimeFigureOut">
               <a:rPr lang="en-US" smtClean="0"/>
-              <a:t>6/26/2021</a:t>
+              <a:t>6/27/2021</a:t>
             </a:fld>
             <a:endParaRPr lang="en-US"/>
           </a:p>
@@ -10127,7 +11009,7 @@
           <a:p>
             <a:fld id="{2ED44E80-9A47-484A-9109-4C13C6AA066B}" type="datetimeFigureOut">
               <a:rPr lang="en-US" smtClean="0"/>
-              <a:t>6/26/2021</a:t>
+              <a:t>6/27/2021</a:t>
             </a:fld>
             <a:endParaRPr lang="en-US"/>
           </a:p>
@@ -10404,7 +11286,7 @@
           <a:p>
             <a:fld id="{2ED44E80-9A47-484A-9109-4C13C6AA066B}" type="datetimeFigureOut">
               <a:rPr lang="en-US" smtClean="0"/>
-              <a:t>6/26/2021</a:t>
+              <a:t>6/27/2021</a:t>
             </a:fld>
             <a:endParaRPr lang="en-US"/>
           </a:p>
@@ -10657,7 +11539,7 @@
           <a:p>
             <a:fld id="{2ED44E80-9A47-484A-9109-4C13C6AA066B}" type="datetimeFigureOut">
               <a:rPr lang="en-US" smtClean="0"/>
-              <a:t>6/26/2021</a:t>
+              <a:t>6/27/2021</a:t>
             </a:fld>
             <a:endParaRPr lang="en-US"/>
           </a:p>
@@ -10870,7 +11752,7 @@
           <a:p>
             <a:fld id="{2ED44E80-9A47-484A-9109-4C13C6AA066B}" type="datetimeFigureOut">
               <a:rPr lang="en-US" smtClean="0"/>
-              <a:t>6/26/2021</a:t>
+              <a:t>6/27/2021</a:t>
             </a:fld>
             <a:endParaRPr lang="en-US"/>
           </a:p>
@@ -11432,7 +12314,7 @@
           <p:nvPr>
             <p:extLst>
               <p:ext uri="{D42A27DB-BD31-4B8C-83A1-F6EECF244321}">
-                <p14:modId xmlns:p14="http://schemas.microsoft.com/office/powerpoint/2010/main" val="488175621"/>
+                <p14:modId xmlns:p14="http://schemas.microsoft.com/office/powerpoint/2010/main" val="1675740711"/>
               </p:ext>
             </p:extLst>
           </p:nvPr>
@@ -11783,7 +12665,7 @@
           <p:nvPr>
             <p:extLst>
               <p:ext uri="{D42A27DB-BD31-4B8C-83A1-F6EECF244321}">
-                <p14:modId xmlns:p14="http://schemas.microsoft.com/office/powerpoint/2010/main" val="1393891753"/>
+                <p14:modId xmlns:p14="http://schemas.microsoft.com/office/powerpoint/2010/main" val="3153897398"/>
               </p:ext>
             </p:extLst>
           </p:nvPr>
@@ -11988,7 +12870,7 @@
           <p:nvPr>
             <p:extLst>
               <p:ext uri="{D42A27DB-BD31-4B8C-83A1-F6EECF244321}">
-                <p14:modId xmlns:p14="http://schemas.microsoft.com/office/powerpoint/2010/main" val="1000860435"/>
+                <p14:modId xmlns:p14="http://schemas.microsoft.com/office/powerpoint/2010/main" val="1373178521"/>
               </p:ext>
             </p:extLst>
           </p:nvPr>
@@ -12442,13 +13324,13 @@
         </p:nvSpPr>
         <p:spPr>
           <a:xfrm>
-            <a:off x="838200" y="1440873"/>
-            <a:ext cx="10515600" cy="5237018"/>
+            <a:off x="838200" y="2064327"/>
+            <a:ext cx="10515600" cy="4613564"/>
           </a:xfrm>
         </p:spPr>
         <p:txBody>
           <a:bodyPr>
-            <a:normAutofit lnSpcReduction="10000"/>
+            <a:normAutofit/>
           </a:bodyPr>
           <a:lstStyle/>
           <a:p>
@@ -12488,38 +13370,43 @@
           <a:p>
             <a:r>
               <a:rPr lang="en-US" dirty="0" smtClean="0"/>
-              <a:t>A peripheral device for displaying data from the microcontroller</a:t>
-            </a:r>
+              <a:t>A peripheral device for displaying data </a:t>
+            </a:r>
+            <a:endParaRPr lang="en-US" dirty="0" smtClean="0"/>
           </a:p>
           <a:p>
             <a:r>
               <a:rPr lang="en-US" dirty="0" smtClean="0"/>
-              <a:t>It is preferred to 7Seg and LEDs due to more characters showing capability</a:t>
+              <a:t>The </a:t>
+            </a:r>
+            <a:r>
+              <a:rPr lang="en-US" dirty="0" smtClean="0"/>
+              <a:t>reaction of liquid crystal in an electrical field.</a:t>
             </a:r>
           </a:p>
           <a:p>
             <a:r>
               <a:rPr lang="en-US" dirty="0" smtClean="0"/>
-              <a:t>What we see on an LCD is based on the reaction of liquid crystal in an electrical field.</a:t>
-            </a:r>
+              <a:t>Each LCD have a background source of light. </a:t>
+            </a:r>
+            <a:endParaRPr lang="en-US" dirty="0" smtClean="0"/>
           </a:p>
           <a:p>
             <a:r>
               <a:rPr lang="en-US" dirty="0" smtClean="0"/>
-              <a:t>Each LCD have a background source of light. Light goes through liquid crystal.</a:t>
+              <a:t>Light </a:t>
+            </a:r>
+            <a:r>
+              <a:rPr lang="en-US" dirty="0" smtClean="0"/>
+              <a:t>goes through liquid crystal.</a:t>
             </a:r>
           </a:p>
           <a:p>
             <a:r>
               <a:rPr lang="en-US" dirty="0" smtClean="0"/>
-              <a:t> When the electrical field is enabled on the liquid crystal. The new arrangement of its molecules does not let the light to pass.</a:t>
-            </a:r>
-          </a:p>
-          <a:p>
-            <a:r>
-              <a:rPr lang="en-US" dirty="0" smtClean="0"/>
-              <a:t>So, with different voltages we can control how light passes or does not pass through the pixels of the LCD.</a:t>
-            </a:r>
+              <a:t>Electrical fields change the arrangement of the liquid crystal molecules.</a:t>
+            </a:r>
+            <a:endParaRPr lang="en-US" dirty="0" smtClean="0"/>
           </a:p>
         </p:txBody>
       </p:sp>
@@ -12605,19 +13492,51 @@
           <a:p>
             <a:r>
               <a:rPr lang="en-US" dirty="0" smtClean="0"/>
-              <a:t>A 2*16 LCD can show 32 characters in total, 16 characters in each row</a:t>
+              <a:t>A 2*16 LCD </a:t>
+            </a:r>
+            <a:r>
+              <a:rPr lang="en-US" dirty="0" smtClean="0"/>
+              <a:t>shows </a:t>
+            </a:r>
+            <a:r>
+              <a:rPr lang="en-US" dirty="0" smtClean="0"/>
+              <a:t>32 </a:t>
+            </a:r>
+            <a:r>
+              <a:rPr lang="en-US" dirty="0" smtClean="0"/>
+              <a:t>characters; </a:t>
+            </a:r>
+            <a:r>
+              <a:rPr lang="en-US" dirty="0" smtClean="0"/>
+              <a:t>16 characters in each row</a:t>
             </a:r>
           </a:p>
           <a:p>
             <a:r>
               <a:rPr lang="en-US" dirty="0" smtClean="0"/>
-              <a:t>Every character is a 5x10 or 5x8 or 5x7 matrix of pixels</a:t>
+              <a:t>Every </a:t>
+            </a:r>
+            <a:r>
+              <a:rPr lang="en-US" dirty="0" smtClean="0"/>
+              <a:t>character: a </a:t>
+            </a:r>
+            <a:r>
+              <a:rPr lang="en-US" dirty="0" smtClean="0"/>
+              <a:t>5x10 or 5x8 or 5x7 matrix of pixels</a:t>
             </a:r>
           </a:p>
           <a:p>
             <a:r>
               <a:rPr lang="en-US" dirty="0" smtClean="0"/>
-              <a:t>For showing a character some of those pixels are on and some of them are off</a:t>
+              <a:t>For showing a </a:t>
+            </a:r>
+            <a:r>
+              <a:rPr lang="en-US" dirty="0" smtClean="0"/>
+              <a:t>character: </a:t>
+            </a:r>
+            <a:r>
+              <a:rPr lang="en-US" dirty="0" smtClean="0"/>
+              <a:t>some of those pixels are on and some of them are off</a:t>
             </a:r>
           </a:p>
           <a:p>
@@ -13495,7 +14414,7 @@
         </p:nvSpPr>
         <p:spPr>
           <a:xfrm>
-            <a:off x="5855663" y="6239743"/>
+            <a:off x="5855664" y="6183325"/>
             <a:ext cx="2421176" cy="369332"/>
           </a:xfrm>
           <a:prstGeom prst="rect">
@@ -14416,7 +15335,7 @@
         </p:nvSpPr>
         <p:spPr>
           <a:xfrm>
-            <a:off x="5860472" y="6373101"/>
+            <a:off x="5860472" y="6208044"/>
             <a:ext cx="2421176" cy="369332"/>
           </a:xfrm>
           <a:prstGeom prst="rect">
@@ -15822,35 +16741,35 @@
           <a:p>
             <a:r>
               <a:rPr lang="en-US" dirty="0" smtClean="0"/>
-              <a:t>Every LCD has two registers: Instruction</a:t>
-            </a:r>
-            <a:r>
-              <a:rPr lang="en-US" dirty="0" smtClean="0"/>
-              <a:t> and</a:t>
-            </a:r>
-            <a:r>
-              <a:rPr lang="en-US" dirty="0" smtClean="0"/>
-              <a:t> </a:t>
-            </a:r>
-            <a:r>
-              <a:rPr lang="en-US" dirty="0" smtClean="0"/>
-              <a:t>Data </a:t>
-            </a:r>
-            <a:r>
-              <a:rPr lang="en-US" dirty="0" smtClean="0"/>
-              <a:t>Registers</a:t>
+              <a:t>Every LCD has two registers: Instruction and Data Registers</a:t>
             </a:r>
           </a:p>
           <a:p>
             <a:r>
               <a:rPr lang="en-US" dirty="0" smtClean="0"/>
-              <a:t>Instruction Register: Receiving and keeping LCD instructions like: Initialization, Screen Clear Command, Cursor location Change Command etc.</a:t>
+              <a:t>Instruction Register: Receiving </a:t>
+            </a:r>
+            <a:r>
+              <a:rPr lang="en-US" dirty="0" smtClean="0"/>
+              <a:t>LCD </a:t>
+            </a:r>
+            <a:r>
+              <a:rPr lang="en-US" dirty="0" smtClean="0"/>
+              <a:t>instructions like: Initialization, Screen Clear Command, Cursor location Change Command etc.</a:t>
             </a:r>
           </a:p>
           <a:p>
             <a:r>
               <a:rPr lang="en-US" dirty="0" smtClean="0"/>
-              <a:t>Data Register: Keeps the data that will be shown on the LCD</a:t>
+              <a:t>Data Register: </a:t>
+            </a:r>
+            <a:r>
+              <a:rPr lang="en-US" dirty="0" smtClean="0"/>
+              <a:t>Receiving </a:t>
+            </a:r>
+            <a:r>
+              <a:rPr lang="en-US" dirty="0" smtClean="0"/>
+              <a:t>the data that will be shown on the LCD</a:t>
             </a:r>
             <a:endParaRPr lang="en-US" dirty="0"/>
           </a:p>
@@ -16035,8 +16954,8 @@
           <a:chExt cx="0" cy="0"/>
         </a:xfrm>
       </p:grpSpPr>
-      <mc:AlternateContent xmlns:mc="http://schemas.openxmlformats.org/markup-compatibility/2006">
-        <mc:Choice xmlns:a14="http://schemas.microsoft.com/office/drawing/2010/main" Requires="a14">
+      <mc:AlternateContent xmlns:mc="http://schemas.openxmlformats.org/markup-compatibility/2006" xmlns:a14="http://schemas.microsoft.com/office/drawing/2010/main">
+        <mc:Choice Requires="a14">
           <p:graphicFrame>
             <p:nvGraphicFramePr>
               <p:cNvPr id="6" name="Content Placeholder 5"/>
@@ -16047,14 +16966,14 @@
                 <p:ph idx="1"/>
                 <p:extLst>
                   <p:ext uri="{D42A27DB-BD31-4B8C-83A1-F6EECF244321}">
-                    <p14:modId xmlns:p14="http://schemas.microsoft.com/office/powerpoint/2010/main" val="2900889514"/>
+                    <p14:modId xmlns:p14="http://schemas.microsoft.com/office/powerpoint/2010/main" val="1844602340"/>
                   </p:ext>
                 </p:extLst>
               </p:nvPr>
             </p:nvGraphicFramePr>
             <p:xfrm>
               <a:off x="1" y="-6"/>
-              <a:ext cx="12192000" cy="6858006"/>
+              <a:ext cx="12192000" cy="6492240"/>
             </p:xfrm>
             <a:graphic>
               <a:graphicData uri="http://schemas.openxmlformats.org/drawingml/2006/table">
@@ -16085,7 +17004,7 @@
                       </a:extLst>
                     </a:gridCol>
                   </a:tblGrid>
-                  <a:tr h="383161">
+                  <a:tr h="302849">
                     <a:tc>
                       <a:txBody>
                         <a:bodyPr/>
@@ -16137,7 +17056,7 @@
                       </a:ext>
                     </a:extLst>
                   </a:tr>
-                  <a:tr h="383161">
+                  <a:tr h="302849">
                     <a:tc>
                       <a:txBody>
                         <a:bodyPr/>
@@ -16237,7 +17156,7 @@
                       </a:ext>
                     </a:extLst>
                   </a:tr>
-                  <a:tr h="383161">
+                  <a:tr h="302849">
                     <a:tc>
                       <a:txBody>
                         <a:bodyPr/>
@@ -16337,7 +17256,7 @@
                       </a:ext>
                     </a:extLst>
                   </a:tr>
-                  <a:tr h="440060">
+                  <a:tr h="302849">
                     <a:tc>
                       <a:txBody>
                         <a:bodyPr/>
@@ -16453,7 +17372,7 @@
                       </a:ext>
                     </a:extLst>
                   </a:tr>
-                  <a:tr h="383161">
+                  <a:tr h="302849">
                     <a:tc>
                       <a:txBody>
                         <a:bodyPr/>
@@ -16513,7 +17432,7 @@
                       </a:ext>
                     </a:extLst>
                   </a:tr>
-                  <a:tr h="383161">
+                  <a:tr h="302849">
                     <a:tc>
                       <a:txBody>
                         <a:bodyPr/>
@@ -16569,7 +17488,7 @@
                       </a:ext>
                     </a:extLst>
                   </a:tr>
-                  <a:tr h="670531">
+                  <a:tr h="529986">
                     <a:tc>
                       <a:txBody>
                         <a:bodyPr/>
@@ -16625,7 +17544,7 @@
                       </a:ext>
                     </a:extLst>
                   </a:tr>
-                  <a:tr h="383161">
+                  <a:tr h="302849">
                     <a:tc>
                       <a:txBody>
                         <a:bodyPr/>
@@ -16692,7 +17611,7 @@
                       </a:ext>
                     </a:extLst>
                   </a:tr>
-                  <a:tr h="383161">
+                  <a:tr h="302849">
                     <a:tc>
                       <a:txBody>
                         <a:bodyPr/>
@@ -16744,7 +17663,7 @@
                       </a:ext>
                     </a:extLst>
                   </a:tr>
-                  <a:tr h="383161">
+                  <a:tr h="302849">
                     <a:tc>
                       <a:txBody>
                         <a:bodyPr/>
@@ -16792,7 +17711,7 @@
                       </a:ext>
                     </a:extLst>
                   </a:tr>
-                  <a:tr h="383161">
+                  <a:tr h="302849">
                     <a:tc>
                       <a:txBody>
                         <a:bodyPr/>
@@ -16840,7 +17759,7 @@
                       </a:ext>
                     </a:extLst>
                   </a:tr>
-                  <a:tr h="383161">
+                  <a:tr h="302849">
                     <a:tc>
                       <a:txBody>
                         <a:bodyPr/>
@@ -16888,7 +17807,7 @@
                       </a:ext>
                     </a:extLst>
                   </a:tr>
-                  <a:tr h="383161">
+                  <a:tr h="302849">
                     <a:tc>
                       <a:txBody>
                         <a:bodyPr/>
@@ -16936,7 +17855,7 @@
                       </a:ext>
                     </a:extLst>
                   </a:tr>
-                  <a:tr h="383161">
+                  <a:tr h="302849">
                     <a:tc>
                       <a:txBody>
                         <a:bodyPr/>
@@ -16984,7 +17903,7 @@
                       </a:ext>
                     </a:extLst>
                   </a:tr>
-                  <a:tr h="383161">
+                  <a:tr h="302849">
                     <a:tc>
                       <a:txBody>
                         <a:bodyPr/>
@@ -17036,7 +17955,7 @@
                       </a:ext>
                     </a:extLst>
                   </a:tr>
-                  <a:tr h="383161">
+                  <a:tr h="302849">
                     <a:tc>
                       <a:txBody>
                         <a:bodyPr/>
@@ -17125,7 +18044,7 @@
                       </a:ext>
                     </a:extLst>
                   </a:tr>
-                  <a:tr h="383161">
+                  <a:tr h="302849">
                     <a:tc>
                       <a:txBody>
                         <a:bodyPr/>
@@ -17186,7 +18105,7 @@
             </a:graphic>
           </p:graphicFrame>
         </mc:Choice>
-        <mc:Fallback>
+        <mc:Fallback xmlns="">
           <p:graphicFrame>
             <p:nvGraphicFramePr>
               <p:cNvPr id="6" name="Content Placeholder 5"/>
@@ -17197,14 +18116,14 @@
                 <p:ph idx="1"/>
                 <p:extLst>
                   <p:ext uri="{D42A27DB-BD31-4B8C-83A1-F6EECF244321}">
-                    <p14:modId xmlns:p14="http://schemas.microsoft.com/office/powerpoint/2010/main" val="2900889514"/>
+                    <p14:modId xmlns:p14="http://schemas.microsoft.com/office/powerpoint/2010/main" val="1844602340"/>
                   </p:ext>
                 </p:extLst>
               </p:nvPr>
             </p:nvGraphicFramePr>
             <p:xfrm>
               <a:off x="1" y="-6"/>
-              <a:ext cx="12192000" cy="6858006"/>
+              <a:ext cx="12192000" cy="6492240"/>
             </p:xfrm>
             <a:graphic>
               <a:graphicData uri="http://schemas.openxmlformats.org/drawingml/2006/table">
@@ -17235,7 +18154,7 @@
                       </a:extLst>
                     </a:gridCol>
                   </a:tblGrid>
-                  <a:tr h="383161">
+                  <a:tr h="365760">
                     <a:tc>
                       <a:txBody>
                         <a:bodyPr/>
@@ -17287,7 +18206,7 @@
                       </a:ext>
                     </a:extLst>
                   </a:tr>
-                  <a:tr h="383161">
+                  <a:tr h="365760">
                     <a:tc>
                       <a:txBody>
                         <a:bodyPr/>
@@ -17315,7 +18234,7 @@
                         <a:blipFill>
                           <a:blip r:embed="rId2"/>
                           <a:stretch>
-                            <a:fillRect l="-105033" t="-107937" r="-234136" b="-1607937"/>
+                            <a:fillRect l="-105033" t="-108333" r="-234136" b="-1603333"/>
                           </a:stretch>
                         </a:blipFill>
                       </a:tcPr>
@@ -17341,7 +18260,7 @@
                       </a:ext>
                     </a:extLst>
                   </a:tr>
-                  <a:tr h="383161">
+                  <a:tr h="365760">
                     <a:tc>
                       <a:txBody>
                         <a:bodyPr/>
@@ -17369,7 +18288,7 @@
                         <a:blipFill>
                           <a:blip r:embed="rId2"/>
                           <a:stretch>
-                            <a:fillRect l="-105033" t="-207937" r="-234136" b="-1507937"/>
+                            <a:fillRect l="-105033" t="-208333" r="-234136" b="-1503333"/>
                           </a:stretch>
                         </a:blipFill>
                       </a:tcPr>
@@ -17395,7 +18314,7 @@
                       </a:ext>
                     </a:extLst>
                   </a:tr>
-                  <a:tr h="440060">
+                  <a:tr h="365760">
                     <a:tc>
                       <a:txBody>
                         <a:bodyPr/>
@@ -17423,7 +18342,7 @@
                         <a:blipFill>
                           <a:blip r:embed="rId2"/>
                           <a:stretch>
-                            <a:fillRect l="-105033" t="-269444" r="-234136" b="-1219444"/>
+                            <a:fillRect l="-105033" t="-308333" r="-234136" b="-1403333"/>
                           </a:stretch>
                         </a:blipFill>
                       </a:tcPr>
@@ -17453,7 +18372,7 @@
                       </a:ext>
                     </a:extLst>
                   </a:tr>
-                  <a:tr h="383161">
+                  <a:tr h="365760">
                     <a:tc>
                       <a:txBody>
                         <a:bodyPr/>
@@ -17513,7 +18432,7 @@
                       </a:ext>
                     </a:extLst>
                   </a:tr>
-                  <a:tr h="383161">
+                  <a:tr h="365760">
                     <a:tc>
                       <a:txBody>
                         <a:bodyPr/>
@@ -17569,7 +18488,7 @@
                       </a:ext>
                     </a:extLst>
                   </a:tr>
-                  <a:tr h="670531">
+                  <a:tr h="640080">
                     <a:tc>
                       <a:txBody>
                         <a:bodyPr/>
@@ -17625,7 +18544,7 @@
                       </a:ext>
                     </a:extLst>
                   </a:tr>
-                  <a:tr h="383161">
+                  <a:tr h="365760">
                     <a:tc>
                       <a:txBody>
                         <a:bodyPr/>
@@ -17692,7 +18611,7 @@
                       </a:ext>
                     </a:extLst>
                   </a:tr>
-                  <a:tr h="383161">
+                  <a:tr h="365760">
                     <a:tc>
                       <a:txBody>
                         <a:bodyPr/>
@@ -17744,7 +18663,7 @@
                       </a:ext>
                     </a:extLst>
                   </a:tr>
-                  <a:tr h="383161">
+                  <a:tr h="365760">
                     <a:tc>
                       <a:txBody>
                         <a:bodyPr/>
@@ -17792,7 +18711,7 @@
                       </a:ext>
                     </a:extLst>
                   </a:tr>
-                  <a:tr h="383161">
+                  <a:tr h="365760">
                     <a:tc>
                       <a:txBody>
                         <a:bodyPr/>
@@ -17840,7 +18759,7 @@
                       </a:ext>
                     </a:extLst>
                   </a:tr>
-                  <a:tr h="383161">
+                  <a:tr h="365760">
                     <a:tc>
                       <a:txBody>
                         <a:bodyPr/>
@@ -17888,7 +18807,7 @@
                       </a:ext>
                     </a:extLst>
                   </a:tr>
-                  <a:tr h="383161">
+                  <a:tr h="365760">
                     <a:tc>
                       <a:txBody>
                         <a:bodyPr/>
@@ -17936,7 +18855,7 @@
                       </a:ext>
                     </a:extLst>
                   </a:tr>
-                  <a:tr h="383161">
+                  <a:tr h="365760">
                     <a:tc>
                       <a:txBody>
                         <a:bodyPr/>
@@ -17984,7 +18903,7 @@
                       </a:ext>
                     </a:extLst>
                   </a:tr>
-                  <a:tr h="383161">
+                  <a:tr h="365760">
                     <a:tc>
                       <a:txBody>
                         <a:bodyPr/>
@@ -18036,7 +18955,7 @@
                       </a:ext>
                     </a:extLst>
                   </a:tr>
-                  <a:tr h="383161">
+                  <a:tr h="365760">
                     <a:tc>
                       <a:txBody>
                         <a:bodyPr/>
@@ -18079,7 +18998,7 @@
                         <a:blipFill>
                           <a:blip r:embed="rId2"/>
                           <a:stretch>
-                            <a:fillRect l="-87899" t="-1595238" r="-375" b="-120635"/>
+                            <a:fillRect l="-87899" t="-1585000" r="-375" b="-126667"/>
                           </a:stretch>
                         </a:blipFill>
                       </a:tcPr>
@@ -18090,7 +19009,7 @@
                       </a:ext>
                     </a:extLst>
                   </a:tr>
-                  <a:tr h="383161">
+                  <a:tr h="365760">
                     <a:tc>
                       <a:txBody>
                         <a:bodyPr/>
@@ -18225,12 +19144,12 @@
         <p:spPr>
           <a:xfrm>
             <a:off x="838199" y="1551710"/>
-            <a:ext cx="11118273" cy="5001490"/>
+            <a:ext cx="11118273" cy="3990108"/>
           </a:xfrm>
         </p:spPr>
         <p:txBody>
           <a:bodyPr>
-            <a:normAutofit/>
+            <a:normAutofit lnSpcReduction="10000"/>
           </a:bodyPr>
           <a:lstStyle/>
           <a:p>
@@ -18283,7 +19202,15 @@
             </a:r>
             <a:r>
               <a:rPr lang="en-US" dirty="0" smtClean="0"/>
-              <a:t>: Enables programmers to build their own characters.</a:t>
+              <a:t>: Enables programmers to build their own </a:t>
+            </a:r>
+            <a:r>
+              <a:rPr lang="en-US" dirty="0" smtClean="0"/>
+              <a:t>customized characters</a:t>
+            </a:r>
+            <a:r>
+              <a:rPr lang="en-US" dirty="0" smtClean="0"/>
+              <a:t>.</a:t>
             </a:r>
             <a:endParaRPr lang="en-US" dirty="0"/>
           </a:p>
@@ -18398,14 +19325,14 @@
           <p:nvPr>
             <p:extLst>
               <p:ext uri="{D42A27DB-BD31-4B8C-83A1-F6EECF244321}">
-                <p14:modId xmlns:p14="http://schemas.microsoft.com/office/powerpoint/2010/main" val="2382354413"/>
+                <p14:modId xmlns:p14="http://schemas.microsoft.com/office/powerpoint/2010/main" val="2803982050"/>
               </p:ext>
             </p:extLst>
           </p:nvPr>
         </p:nvGraphicFramePr>
         <p:xfrm>
-          <a:off x="623454" y="46470"/>
-          <a:ext cx="10529454" cy="6779632"/>
+          <a:off x="110836" y="46470"/>
+          <a:ext cx="11984182" cy="6130493"/>
         </p:xfrm>
         <a:graphic>
           <a:graphicData uri="http://schemas.openxmlformats.org/drawingml/2006/table">
@@ -18414,21 +19341,21 @@
                 <a:tableStyleId>{5C22544A-7EE6-4342-B048-85BDC9FD1C3A}</a:tableStyleId>
               </a:tblPr>
               <a:tblGrid>
-                <a:gridCol w="609600">
+                <a:gridCol w="693821">
                   <a:extLst>
                     <a:ext uri="{9D8B030D-6E8A-4147-A177-3AD203B41FA5}">
                       <a16:colId xmlns:a16="http://schemas.microsoft.com/office/drawing/2014/main" val="2050077783"/>
                     </a:ext>
                   </a:extLst>
                 </a:gridCol>
-                <a:gridCol w="5902037">
+                <a:gridCol w="6787634">
                   <a:extLst>
                     <a:ext uri="{9D8B030D-6E8A-4147-A177-3AD203B41FA5}">
                       <a16:colId xmlns:a16="http://schemas.microsoft.com/office/drawing/2014/main" val="4286248952"/>
                     </a:ext>
                   </a:extLst>
                 </a:gridCol>
-                <a:gridCol w="4017817">
+                <a:gridCol w="4502727">
                   <a:extLst>
                     <a:ext uri="{9D8B030D-6E8A-4147-A177-3AD203B41FA5}">
                       <a16:colId xmlns:a16="http://schemas.microsoft.com/office/drawing/2014/main" val="1942110801"/>
@@ -18436,7 +19363,7 @@
                   </a:extLst>
                 </a:gridCol>
               </a:tblGrid>
-              <a:tr h="674939">
+              <a:tr h="610315">
                 <a:tc>
                   <a:txBody>
                     <a:bodyPr/>
@@ -18488,7 +19415,7 @@
                   </a:ext>
                 </a:extLst>
               </a:tr>
-              <a:tr h="525500">
+              <a:tr h="475184">
                 <a:tc>
                   <a:txBody>
                     <a:bodyPr/>
@@ -18544,7 +19471,7 @@
                   </a:ext>
                 </a:extLst>
               </a:tr>
-              <a:tr h="575376">
+              <a:tr h="520284">
                 <a:tc>
                   <a:txBody>
                     <a:bodyPr/>
@@ -18596,7 +19523,7 @@
                   </a:ext>
                 </a:extLst>
               </a:tr>
-              <a:tr h="666816">
+              <a:tr h="602970">
                 <a:tc>
                   <a:txBody>
                     <a:bodyPr/>
@@ -18666,7 +19593,7 @@
                   </a:ext>
                 </a:extLst>
               </a:tr>
-              <a:tr h="522729">
+              <a:tr h="472679">
                 <a:tc>
                   <a:txBody>
                     <a:bodyPr/>
@@ -18736,7 +19663,7 @@
                   </a:ext>
                 </a:extLst>
               </a:tr>
-              <a:tr h="544896">
+              <a:tr h="492723">
                 <a:tc>
                   <a:txBody>
                     <a:bodyPr/>
@@ -18788,7 +19715,7 @@
                   </a:ext>
                 </a:extLst>
               </a:tr>
-              <a:tr h="544896">
+              <a:tr h="492723">
                 <a:tc>
                   <a:txBody>
                     <a:bodyPr/>
@@ -18844,7 +19771,7 @@
                   </a:ext>
                 </a:extLst>
               </a:tr>
-              <a:tr h="544896">
+              <a:tr h="492723">
                 <a:tc>
                   <a:txBody>
                     <a:bodyPr/>
@@ -18896,7 +19823,7 @@
                   </a:ext>
                 </a:extLst>
               </a:tr>
-              <a:tr h="544896">
+              <a:tr h="492723">
                 <a:tc>
                   <a:txBody>
                     <a:bodyPr/>
@@ -18952,7 +19879,7 @@
                   </a:ext>
                 </a:extLst>
               </a:tr>
-              <a:tr h="544896">
+              <a:tr h="492723">
                 <a:tc>
                   <a:txBody>
                     <a:bodyPr/>
@@ -19008,7 +19935,7 @@
                   </a:ext>
                 </a:extLst>
               </a:tr>
-              <a:tr h="544896">
+              <a:tr h="492723">
                 <a:tc>
                   <a:txBody>
                     <a:bodyPr/>
@@ -19060,7 +19987,7 @@
                   </a:ext>
                 </a:extLst>
               </a:tr>
-              <a:tr h="544896">
+              <a:tr h="492723">
                 <a:tc>
                   <a:txBody>
                     <a:bodyPr/>
@@ -19291,6 +20218,10 @@
               <a:rPr lang="en-US" dirty="0" smtClean="0"/>
               <a:t>Faster Updating of Displayed data</a:t>
             </a:r>
+          </a:p>
+          <a:p>
+            <a:pPr lvl="1"/>
+            <a:endParaRPr lang="en-US" dirty="0" smtClean="0"/>
           </a:p>
           <a:p>
             <a:r>
